--- a/google-drive/week03/1Mon/2_LAsBeST TEMPLATE.pptx
+++ b/google-drive/week03/1Mon/2_LAsBeST TEMPLATE.pptx
@@ -13,7 +13,7 @@
   <p:sldIdLst>
     <p:sldId id="256" r:id="rId2"/>
   </p:sldIdLst>
-  <p:sldSz cx="42062400" cy="31089600"/>
+  <p:sldSz cx="32918400" cy="21945600"/>
   <p:notesSz cx="7315200" cy="9601200"/>
   <p:defaultTextStyle>
     <a:defPPr>
@@ -26,7 +26,7 @@
       <a:spcAft>
         <a:spcPct val="0"/>
       </a:spcAft>
-      <a:defRPr sz="2400" kern="1200">
+      <a:defRPr sz="1800" kern="1200">
         <a:solidFill>
           <a:schemeClr val="tx1"/>
         </a:solidFill>
@@ -35,14 +35,14 @@
         <a:cs typeface="+mn-cs"/>
       </a:defRPr>
     </a:lvl1pPr>
-    <a:lvl2pPr marL="457200" algn="l" rtl="0" eaLnBrk="0" fontAlgn="base" hangingPunct="0">
+    <a:lvl2pPr marL="342875" algn="l" rtl="0" eaLnBrk="0" fontAlgn="base" hangingPunct="0">
       <a:spcBef>
         <a:spcPct val="0"/>
       </a:spcBef>
       <a:spcAft>
         <a:spcPct val="0"/>
       </a:spcAft>
-      <a:defRPr sz="2400" kern="1200">
+      <a:defRPr sz="1800" kern="1200">
         <a:solidFill>
           <a:schemeClr val="tx1"/>
         </a:solidFill>
@@ -51,14 +51,14 @@
         <a:cs typeface="+mn-cs"/>
       </a:defRPr>
     </a:lvl2pPr>
-    <a:lvl3pPr marL="914400" algn="l" rtl="0" eaLnBrk="0" fontAlgn="base" hangingPunct="0">
+    <a:lvl3pPr marL="685749" algn="l" rtl="0" eaLnBrk="0" fontAlgn="base" hangingPunct="0">
       <a:spcBef>
         <a:spcPct val="0"/>
       </a:spcBef>
       <a:spcAft>
         <a:spcPct val="0"/>
       </a:spcAft>
-      <a:defRPr sz="2400" kern="1200">
+      <a:defRPr sz="1800" kern="1200">
         <a:solidFill>
           <a:schemeClr val="tx1"/>
         </a:solidFill>
@@ -67,14 +67,14 @@
         <a:cs typeface="+mn-cs"/>
       </a:defRPr>
     </a:lvl3pPr>
-    <a:lvl4pPr marL="1371600" algn="l" rtl="0" eaLnBrk="0" fontAlgn="base" hangingPunct="0">
+    <a:lvl4pPr marL="1028624" algn="l" rtl="0" eaLnBrk="0" fontAlgn="base" hangingPunct="0">
       <a:spcBef>
         <a:spcPct val="0"/>
       </a:spcBef>
       <a:spcAft>
         <a:spcPct val="0"/>
       </a:spcAft>
-      <a:defRPr sz="2400" kern="1200">
+      <a:defRPr sz="1800" kern="1200">
         <a:solidFill>
           <a:schemeClr val="tx1"/>
         </a:solidFill>
@@ -83,14 +83,14 @@
         <a:cs typeface="+mn-cs"/>
       </a:defRPr>
     </a:lvl4pPr>
-    <a:lvl5pPr marL="1828800" algn="l" rtl="0" eaLnBrk="0" fontAlgn="base" hangingPunct="0">
+    <a:lvl5pPr marL="1371498" algn="l" rtl="0" eaLnBrk="0" fontAlgn="base" hangingPunct="0">
       <a:spcBef>
         <a:spcPct val="0"/>
       </a:spcBef>
       <a:spcAft>
         <a:spcPct val="0"/>
       </a:spcAft>
-      <a:defRPr sz="2400" kern="1200">
+      <a:defRPr sz="1800" kern="1200">
         <a:solidFill>
           <a:schemeClr val="tx1"/>
         </a:solidFill>
@@ -99,8 +99,8 @@
         <a:cs typeface="+mn-cs"/>
       </a:defRPr>
     </a:lvl5pPr>
-    <a:lvl6pPr marL="2286000" algn="l" defTabSz="914400" rtl="0" eaLnBrk="1" latinLnBrk="0" hangingPunct="1">
-      <a:defRPr sz="2400" kern="1200">
+    <a:lvl6pPr marL="1714373" algn="l" defTabSz="685749" rtl="0" eaLnBrk="1" latinLnBrk="0" hangingPunct="1">
+      <a:defRPr sz="1800" kern="1200">
         <a:solidFill>
           <a:schemeClr val="tx1"/>
         </a:solidFill>
@@ -109,8 +109,8 @@
         <a:cs typeface="+mn-cs"/>
       </a:defRPr>
     </a:lvl6pPr>
-    <a:lvl7pPr marL="2743200" algn="l" defTabSz="914400" rtl="0" eaLnBrk="1" latinLnBrk="0" hangingPunct="1">
-      <a:defRPr sz="2400" kern="1200">
+    <a:lvl7pPr marL="2057246" algn="l" defTabSz="685749" rtl="0" eaLnBrk="1" latinLnBrk="0" hangingPunct="1">
+      <a:defRPr sz="1800" kern="1200">
         <a:solidFill>
           <a:schemeClr val="tx1"/>
         </a:solidFill>
@@ -119,8 +119,8 @@
         <a:cs typeface="+mn-cs"/>
       </a:defRPr>
     </a:lvl7pPr>
-    <a:lvl8pPr marL="3200400" algn="l" defTabSz="914400" rtl="0" eaLnBrk="1" latinLnBrk="0" hangingPunct="1">
-      <a:defRPr sz="2400" kern="1200">
+    <a:lvl8pPr marL="2400120" algn="l" defTabSz="685749" rtl="0" eaLnBrk="1" latinLnBrk="0" hangingPunct="1">
+      <a:defRPr sz="1800" kern="1200">
         <a:solidFill>
           <a:schemeClr val="tx1"/>
         </a:solidFill>
@@ -129,8 +129,8 @@
         <a:cs typeface="+mn-cs"/>
       </a:defRPr>
     </a:lvl8pPr>
-    <a:lvl9pPr marL="3657600" algn="l" defTabSz="914400" rtl="0" eaLnBrk="1" latinLnBrk="0" hangingPunct="1">
-      <a:defRPr sz="2400" kern="1200">
+    <a:lvl9pPr marL="2742995" algn="l" defTabSz="685749" rtl="0" eaLnBrk="1" latinLnBrk="0" hangingPunct="1">
+      <a:defRPr sz="1800" kern="1200">
         <a:solidFill>
           <a:schemeClr val="tx1"/>
         </a:solidFill>
@@ -143,12 +143,12 @@
   <p:extLst>
     <p:ext uri="{EFAFB233-063F-42B5-8137-9DF3F51BA10A}">
       <p15:sldGuideLst xmlns:p15="http://schemas.microsoft.com/office/powerpoint/2012/main">
-        <p15:guide id="1" orient="horz" pos="833">
+        <p15:guide id="1" orient="horz" pos="588" userDrawn="1">
           <p15:clr>
             <a:srgbClr val="A4A3A4"/>
           </p15:clr>
         </p15:guide>
-        <p15:guide id="2" pos="1012">
+        <p15:guide id="2" pos="792" userDrawn="1">
           <p15:clr>
             <a:srgbClr val="A4A3A4"/>
           </p15:clr>
@@ -538,8 +538,8 @@
         </p:nvSpPr>
         <p:spPr bwMode="auto">
           <a:xfrm>
-            <a:off x="1222375" y="720725"/>
-            <a:ext cx="4870450" cy="3600450"/>
+            <a:off x="957263" y="720725"/>
+            <a:ext cx="5400675" cy="3600450"/>
           </a:xfrm>
           <a:prstGeom prst="rect">
             <a:avLst/>
@@ -740,7 +740,7 @@
       <a:spcAft>
         <a:spcPct val="0"/>
       </a:spcAft>
-      <a:defRPr sz="1200" kern="1200">
+      <a:defRPr sz="900" kern="1200">
         <a:solidFill>
           <a:schemeClr val="tx1"/>
         </a:solidFill>
@@ -749,14 +749,14 @@
         <a:cs typeface="MS PGothic" charset="0"/>
       </a:defRPr>
     </a:lvl1pPr>
-    <a:lvl2pPr marL="457200" algn="l" rtl="0" eaLnBrk="0" fontAlgn="base" hangingPunct="0">
+    <a:lvl2pPr marL="342875" algn="l" rtl="0" eaLnBrk="0" fontAlgn="base" hangingPunct="0">
       <a:spcBef>
         <a:spcPct val="30000"/>
       </a:spcBef>
       <a:spcAft>
         <a:spcPct val="0"/>
       </a:spcAft>
-      <a:defRPr sz="1200" kern="1200">
+      <a:defRPr sz="900" kern="1200">
         <a:solidFill>
           <a:schemeClr val="tx1"/>
         </a:solidFill>
@@ -765,14 +765,14 @@
         <a:cs typeface="MS PGothic" charset="0"/>
       </a:defRPr>
     </a:lvl2pPr>
-    <a:lvl3pPr marL="914400" algn="l" rtl="0" eaLnBrk="0" fontAlgn="base" hangingPunct="0">
+    <a:lvl3pPr marL="685749" algn="l" rtl="0" eaLnBrk="0" fontAlgn="base" hangingPunct="0">
       <a:spcBef>
         <a:spcPct val="30000"/>
       </a:spcBef>
       <a:spcAft>
         <a:spcPct val="0"/>
       </a:spcAft>
-      <a:defRPr sz="1200" kern="1200">
+      <a:defRPr sz="900" kern="1200">
         <a:solidFill>
           <a:schemeClr val="tx1"/>
         </a:solidFill>
@@ -781,14 +781,14 @@
         <a:cs typeface="MS PGothic" charset="0"/>
       </a:defRPr>
     </a:lvl3pPr>
-    <a:lvl4pPr marL="1371600" algn="l" rtl="0" eaLnBrk="0" fontAlgn="base" hangingPunct="0">
+    <a:lvl4pPr marL="1028624" algn="l" rtl="0" eaLnBrk="0" fontAlgn="base" hangingPunct="0">
       <a:spcBef>
         <a:spcPct val="30000"/>
       </a:spcBef>
       <a:spcAft>
         <a:spcPct val="0"/>
       </a:spcAft>
-      <a:defRPr sz="1200" kern="1200">
+      <a:defRPr sz="900" kern="1200">
         <a:solidFill>
           <a:schemeClr val="tx1"/>
         </a:solidFill>
@@ -797,14 +797,14 @@
         <a:cs typeface="MS PGothic" charset="0"/>
       </a:defRPr>
     </a:lvl4pPr>
-    <a:lvl5pPr marL="1828800" algn="l" rtl="0" eaLnBrk="0" fontAlgn="base" hangingPunct="0">
+    <a:lvl5pPr marL="1371498" algn="l" rtl="0" eaLnBrk="0" fontAlgn="base" hangingPunct="0">
       <a:spcBef>
         <a:spcPct val="30000"/>
       </a:spcBef>
       <a:spcAft>
         <a:spcPct val="0"/>
       </a:spcAft>
-      <a:defRPr sz="1200" kern="1200">
+      <a:defRPr sz="900" kern="1200">
         <a:solidFill>
           <a:schemeClr val="tx1"/>
         </a:solidFill>
@@ -813,8 +813,8 @@
         <a:cs typeface="MS PGothic" charset="0"/>
       </a:defRPr>
     </a:lvl5pPr>
-    <a:lvl6pPr marL="2286000" algn="l" defTabSz="457200" rtl="0" eaLnBrk="1" latinLnBrk="0" hangingPunct="1">
-      <a:defRPr sz="1200" kern="1200">
+    <a:lvl6pPr marL="1714373" algn="l" defTabSz="342875" rtl="0" eaLnBrk="1" latinLnBrk="0" hangingPunct="1">
+      <a:defRPr sz="900" kern="1200">
         <a:solidFill>
           <a:schemeClr val="tx1"/>
         </a:solidFill>
@@ -823,8 +823,8 @@
         <a:cs typeface="+mn-cs"/>
       </a:defRPr>
     </a:lvl6pPr>
-    <a:lvl7pPr marL="2743200" algn="l" defTabSz="457200" rtl="0" eaLnBrk="1" latinLnBrk="0" hangingPunct="1">
-      <a:defRPr sz="1200" kern="1200">
+    <a:lvl7pPr marL="2057246" algn="l" defTabSz="342875" rtl="0" eaLnBrk="1" latinLnBrk="0" hangingPunct="1">
+      <a:defRPr sz="900" kern="1200">
         <a:solidFill>
           <a:schemeClr val="tx1"/>
         </a:solidFill>
@@ -833,8 +833,8 @@
         <a:cs typeface="+mn-cs"/>
       </a:defRPr>
     </a:lvl7pPr>
-    <a:lvl8pPr marL="3200400" algn="l" defTabSz="457200" rtl="0" eaLnBrk="1" latinLnBrk="0" hangingPunct="1">
-      <a:defRPr sz="1200" kern="1200">
+    <a:lvl8pPr marL="2400120" algn="l" defTabSz="342875" rtl="0" eaLnBrk="1" latinLnBrk="0" hangingPunct="1">
+      <a:defRPr sz="900" kern="1200">
         <a:solidFill>
           <a:schemeClr val="tx1"/>
         </a:solidFill>
@@ -843,8 +843,8 @@
         <a:cs typeface="+mn-cs"/>
       </a:defRPr>
     </a:lvl8pPr>
-    <a:lvl9pPr marL="3657600" algn="l" defTabSz="457200" rtl="0" eaLnBrk="1" latinLnBrk="0" hangingPunct="1">
-      <a:defRPr sz="1200" kern="1200">
+    <a:lvl9pPr marL="2742995" algn="l" defTabSz="342875" rtl="0" eaLnBrk="1" latinLnBrk="0" hangingPunct="1">
+      <a:defRPr sz="900" kern="1200">
         <a:solidFill>
           <a:schemeClr val="tx1"/>
         </a:solidFill>
@@ -911,6 +911,10 @@
           </p:nvPr>
         </p:nvSpPr>
         <p:spPr>
+          <a:xfrm>
+            <a:off x="957263" y="720725"/>
+            <a:ext cx="5400675" cy="3600450"/>
+          </a:xfrm>
           <a:ln/>
         </p:spPr>
       </p:sp>
@@ -977,8 +981,8 @@
         </p:nvSpPr>
         <p:spPr>
           <a:xfrm>
-            <a:off x="6111875" y="5872163"/>
-            <a:ext cx="29838650" cy="14292262"/>
+            <a:off x="4783207" y="4145057"/>
+            <a:ext cx="23351987" cy="10088656"/>
           </a:xfrm>
           <a:prstGeom prst="rect">
             <a:avLst/>
@@ -997,14 +1001,14 @@
           </a:effectLst>
         </p:spPr>
         <p:txBody>
-          <a:bodyPr lIns="418009" tIns="209004" rIns="418009" bIns="209004">
+          <a:bodyPr lIns="295065" tIns="147532" rIns="295065" bIns="147532">
             <a:normAutofit/>
           </a:bodyPr>
           <a:lstStyle/>
           <a:p>
             <a:pPr>
               <a:spcBef>
-                <a:spcPts val="9143"/>
+                <a:spcPts val="6454"/>
               </a:spcBef>
               <a:buClr>
                 <a:srgbClr val="6FB7D7"/>
@@ -1014,7 +1018,7 @@
               <a:buNone/>
               <a:defRPr/>
             </a:pPr>
-            <a:endParaRPr lang="en-US" sz="14600">
+            <a:endParaRPr lang="en-US" sz="10308">
               <a:solidFill>
                 <a:srgbClr val="595959"/>
               </a:solidFill>
@@ -1037,8 +1041,8 @@
         </p:nvSpPr>
         <p:spPr>
           <a:xfrm>
-            <a:off x="6085437" y="6908798"/>
-            <a:ext cx="29891527" cy="7819397"/>
+            <a:off x="4762519" y="4876799"/>
+            <a:ext cx="23393369" cy="5519574"/>
           </a:xfrm>
         </p:spPr>
         <p:txBody>
@@ -1046,7 +1050,7 @@
             <a:noAutofit/>
           </a:bodyPr>
           <a:lstStyle>
-            <a:lvl1pPr marL="0" indent="0" algn="ctr" defTabSz="4180088" rtl="0" eaLnBrk="1" latinLnBrk="0" hangingPunct="1">
+            <a:lvl1pPr marL="0" indent="0" algn="ctr" defTabSz="2951010" rtl="0" eaLnBrk="1" latinLnBrk="0" hangingPunct="1">
               <a:spcBef>
                 <a:spcPct val="0"/>
               </a:spcBef>
@@ -1059,7 +1063,7 @@
               <a:buSzPct val="110000"/>
               <a:buFont typeface="Wingdings 2" pitchFamily="18" charset="2"/>
               <a:buNone/>
-              <a:defRPr sz="21000" kern="1200">
+              <a:defRPr sz="14826" kern="1200">
                 <a:solidFill>
                   <a:srgbClr val="0F3661"/>
                 </a:solidFill>
@@ -1090,8 +1094,8 @@
         </p:nvSpPr>
         <p:spPr>
           <a:xfrm>
-            <a:off x="6085439" y="14955523"/>
-            <a:ext cx="29891531" cy="4155439"/>
+            <a:off x="4762519" y="10556843"/>
+            <a:ext cx="23393372" cy="2933251"/>
           </a:xfrm>
         </p:spPr>
         <p:txBody>
@@ -1099,9 +1103,9 @@
             <a:normAutofit/>
           </a:bodyPr>
           <a:lstStyle>
-            <a:lvl1pPr marL="0" indent="0" algn="ctr" defTabSz="4180088" rtl="0" eaLnBrk="1" latinLnBrk="0" hangingPunct="1">
+            <a:lvl1pPr marL="0" indent="0" algn="ctr" defTabSz="2951010" rtl="0" eaLnBrk="1" latinLnBrk="0" hangingPunct="1">
               <a:spcBef>
-                <a:spcPts val="1371"/>
+                <a:spcPts val="968"/>
               </a:spcBef>
               <a:buClr>
                 <a:schemeClr val="accent1">
@@ -1112,7 +1116,7 @@
               <a:buSzPct val="110000"/>
               <a:buFont typeface="Wingdings 2" pitchFamily="18" charset="2"/>
               <a:buNone/>
-              <a:defRPr sz="8200" kern="1200">
+              <a:defRPr sz="5788" kern="1200">
                 <a:solidFill>
                   <a:schemeClr val="tx1">
                     <a:tint val="75000"/>
@@ -1123,7 +1127,7 @@
                 <a:cs typeface="+mn-cs"/>
               </a:defRPr>
             </a:lvl1pPr>
-            <a:lvl2pPr marL="2090044" indent="0" algn="ctr">
+            <a:lvl2pPr marL="1475505" indent="0" algn="ctr">
               <a:buNone/>
               <a:defRPr>
                 <a:solidFill>
@@ -1133,7 +1137,7 @@
                 </a:solidFill>
               </a:defRPr>
             </a:lvl2pPr>
-            <a:lvl3pPr marL="4180088" indent="0" algn="ctr">
+            <a:lvl3pPr marL="2951010" indent="0" algn="ctr">
               <a:buNone/>
               <a:defRPr>
                 <a:solidFill>
@@ -1143,7 +1147,7 @@
                 </a:solidFill>
               </a:defRPr>
             </a:lvl3pPr>
-            <a:lvl4pPr marL="6270132" indent="0" algn="ctr">
+            <a:lvl4pPr marL="4426516" indent="0" algn="ctr">
               <a:buNone/>
               <a:defRPr>
                 <a:solidFill>
@@ -1153,7 +1157,7 @@
                 </a:solidFill>
               </a:defRPr>
             </a:lvl4pPr>
-            <a:lvl5pPr marL="8360176" indent="0" algn="ctr">
+            <a:lvl5pPr marL="5902021" indent="0" algn="ctr">
               <a:buNone/>
               <a:defRPr>
                 <a:solidFill>
@@ -1163,7 +1167,7 @@
                 </a:solidFill>
               </a:defRPr>
             </a:lvl5pPr>
-            <a:lvl6pPr marL="10450220" indent="0" algn="ctr">
+            <a:lvl6pPr marL="7377526" indent="0" algn="ctr">
               <a:buNone/>
               <a:defRPr>
                 <a:solidFill>
@@ -1173,7 +1177,7 @@
                 </a:solidFill>
               </a:defRPr>
             </a:lvl6pPr>
-            <a:lvl7pPr marL="12540264" indent="0" algn="ctr">
+            <a:lvl7pPr marL="8853031" indent="0" algn="ctr">
               <a:buNone/>
               <a:defRPr>
                 <a:solidFill>
@@ -1183,7 +1187,7 @@
                 </a:solidFill>
               </a:defRPr>
             </a:lvl7pPr>
-            <a:lvl8pPr marL="14630309" indent="0" algn="ctr">
+            <a:lvl8pPr marL="10328538" indent="0" algn="ctr">
               <a:buNone/>
               <a:defRPr>
                 <a:solidFill>
@@ -1193,7 +1197,7 @@
                 </a:solidFill>
               </a:defRPr>
             </a:lvl8pPr>
-            <a:lvl9pPr marL="16720353" indent="0" algn="ctr">
+            <a:lvl9pPr marL="11804043" indent="0" algn="ctr">
               <a:buNone/>
               <a:defRPr>
                 <a:solidFill>
@@ -1337,15 +1341,15 @@
         </p:nvSpPr>
         <p:spPr>
           <a:xfrm>
-            <a:off x="2453633" y="2773820"/>
-            <a:ext cx="18765907" cy="5267960"/>
+            <a:off x="1920236" y="1957991"/>
+            <a:ext cx="14686362" cy="3718560"/>
           </a:xfrm>
         </p:spPr>
         <p:txBody>
           <a:bodyPr/>
           <a:lstStyle>
             <a:lvl1pPr algn="ctr">
-              <a:defRPr sz="16500" b="0">
+              <a:defRPr sz="11647" b="0">
                 <a:latin typeface="Arial"/>
                 <a:cs typeface="Arial"/>
               </a:defRPr>
@@ -1372,8 +1376,8 @@
         </p:nvSpPr>
         <p:spPr>
           <a:xfrm>
-            <a:off x="2453633" y="8104947"/>
-            <a:ext cx="18765907" cy="16864689"/>
+            <a:off x="1920236" y="5721140"/>
+            <a:ext cx="14686362" cy="11904486"/>
           </a:xfrm>
         </p:spPr>
         <p:txBody>
@@ -1383,42 +1387,42 @@
           <a:lstStyle>
             <a:lvl1pPr marL="0" indent="0" algn="ctr">
               <a:buNone/>
-              <a:defRPr sz="8200">
+              <a:defRPr sz="5788">
                 <a:latin typeface="Arial"/>
                 <a:cs typeface="Arial"/>
               </a:defRPr>
             </a:lvl1pPr>
-            <a:lvl2pPr marL="2090044" indent="0">
-              <a:buNone/>
-              <a:defRPr sz="5500"/>
+            <a:lvl2pPr marL="1475505" indent="0">
+              <a:buNone/>
+              <a:defRPr sz="3882"/>
             </a:lvl2pPr>
-            <a:lvl3pPr marL="4180088" indent="0">
-              <a:buNone/>
-              <a:defRPr sz="4600"/>
+            <a:lvl3pPr marL="2951010" indent="0">
+              <a:buNone/>
+              <a:defRPr sz="3247"/>
             </a:lvl3pPr>
-            <a:lvl4pPr marL="6270132" indent="0">
-              <a:buNone/>
-              <a:defRPr sz="4100"/>
+            <a:lvl4pPr marL="4426516" indent="0">
+              <a:buNone/>
+              <a:defRPr sz="2894"/>
             </a:lvl4pPr>
-            <a:lvl5pPr marL="8360176" indent="0">
-              <a:buNone/>
-              <a:defRPr sz="4100"/>
+            <a:lvl5pPr marL="5902021" indent="0">
+              <a:buNone/>
+              <a:defRPr sz="2894"/>
             </a:lvl5pPr>
-            <a:lvl6pPr marL="10450220" indent="0">
-              <a:buNone/>
-              <a:defRPr sz="4100"/>
+            <a:lvl6pPr marL="7377526" indent="0">
+              <a:buNone/>
+              <a:defRPr sz="2894"/>
             </a:lvl6pPr>
-            <a:lvl7pPr marL="12540264" indent="0">
-              <a:buNone/>
-              <a:defRPr sz="4100"/>
+            <a:lvl7pPr marL="8853031" indent="0">
+              <a:buNone/>
+              <a:defRPr sz="2894"/>
             </a:lvl7pPr>
-            <a:lvl8pPr marL="14630309" indent="0">
-              <a:buNone/>
-              <a:defRPr sz="4100"/>
+            <a:lvl8pPr marL="10328538" indent="0">
+              <a:buNone/>
+              <a:defRPr sz="2894"/>
             </a:lvl8pPr>
-            <a:lvl9pPr marL="16720353" indent="0">
-              <a:buNone/>
-              <a:defRPr sz="4100"/>
+            <a:lvl9pPr marL="11804043" indent="0">
+              <a:buNone/>
+              <a:defRPr sz="2894"/>
             </a:lvl9pPr>
           </a:lstStyle>
           <a:p>
@@ -1442,8 +1446,8 @@
         </p:nvSpPr>
         <p:spPr>
           <a:xfrm>
-            <a:off x="23416838" y="1629246"/>
-            <a:ext cx="16824960" cy="24108616"/>
+            <a:off x="18326221" y="1150059"/>
+            <a:ext cx="13167360" cy="17017847"/>
           </a:xfrm>
           <a:ln w="3175">
             <a:solidFill>
@@ -1463,9 +1467,9 @@
             <a:normAutofit/>
           </a:bodyPr>
           <a:lstStyle>
-            <a:lvl1pPr marL="0" indent="0" algn="l" defTabSz="4180088" rtl="0" eaLnBrk="1" latinLnBrk="0" hangingPunct="1">
+            <a:lvl1pPr marL="0" indent="0" algn="l" defTabSz="2951010" rtl="0" eaLnBrk="1" latinLnBrk="0" hangingPunct="1">
               <a:spcBef>
-                <a:spcPts val="9143"/>
+                <a:spcPts val="6454"/>
               </a:spcBef>
               <a:buClr>
                 <a:schemeClr val="accent1">
@@ -1476,7 +1480,7 @@
               <a:buSzPct val="110000"/>
               <a:buFont typeface="Wingdings 2" pitchFamily="18" charset="2"/>
               <a:buNone/>
-              <a:defRPr sz="14600" kern="1200">
+              <a:defRPr sz="10308" kern="1200">
                 <a:solidFill>
                   <a:schemeClr val="tx1">
                     <a:lumMod val="65000"/>
@@ -1488,37 +1492,37 @@
                 <a:cs typeface="Arial"/>
               </a:defRPr>
             </a:lvl1pPr>
-            <a:lvl2pPr marL="2090044" indent="0">
-              <a:buNone/>
-              <a:defRPr sz="12800"/>
+            <a:lvl2pPr marL="1475505" indent="0">
+              <a:buNone/>
+              <a:defRPr sz="9036"/>
             </a:lvl2pPr>
-            <a:lvl3pPr marL="4180088" indent="0">
-              <a:buNone/>
-              <a:defRPr sz="11000"/>
+            <a:lvl3pPr marL="2951010" indent="0">
+              <a:buNone/>
+              <a:defRPr sz="7766"/>
             </a:lvl3pPr>
-            <a:lvl4pPr marL="6270132" indent="0">
-              <a:buNone/>
-              <a:defRPr sz="9100"/>
+            <a:lvl4pPr marL="4426516" indent="0">
+              <a:buNone/>
+              <a:defRPr sz="6424"/>
             </a:lvl4pPr>
-            <a:lvl5pPr marL="8360176" indent="0">
-              <a:buNone/>
-              <a:defRPr sz="9100"/>
+            <a:lvl5pPr marL="5902021" indent="0">
+              <a:buNone/>
+              <a:defRPr sz="6424"/>
             </a:lvl5pPr>
-            <a:lvl6pPr marL="10450220" indent="0">
-              <a:buNone/>
-              <a:defRPr sz="9100"/>
+            <a:lvl6pPr marL="7377526" indent="0">
+              <a:buNone/>
+              <a:defRPr sz="6424"/>
             </a:lvl6pPr>
-            <a:lvl7pPr marL="12540264" indent="0">
-              <a:buNone/>
-              <a:defRPr sz="9100"/>
+            <a:lvl7pPr marL="8853031" indent="0">
+              <a:buNone/>
+              <a:defRPr sz="6424"/>
             </a:lvl7pPr>
-            <a:lvl8pPr marL="14630309" indent="0">
-              <a:buNone/>
-              <a:defRPr sz="9100"/>
+            <a:lvl8pPr marL="10328538" indent="0">
+              <a:buNone/>
+              <a:defRPr sz="6424"/>
             </a:lvl8pPr>
-            <a:lvl9pPr marL="16720353" indent="0">
-              <a:buNone/>
-              <a:defRPr sz="9100"/>
+            <a:lvl9pPr marL="11804043" indent="0">
+              <a:buNone/>
+              <a:defRPr sz="6424"/>
             </a:lvl9pPr>
           </a:lstStyle>
           <a:p>
@@ -1648,15 +1652,15 @@
         </p:nvSpPr>
         <p:spPr>
           <a:xfrm>
-            <a:off x="2526667" y="489378"/>
-            <a:ext cx="36994465" cy="4692227"/>
+            <a:off x="1977394" y="345444"/>
+            <a:ext cx="28952190" cy="3312160"/>
           </a:xfrm>
         </p:spPr>
         <p:txBody>
           <a:bodyPr/>
           <a:lstStyle>
             <a:lvl1pPr>
-              <a:defRPr sz="20100" b="1">
+              <a:defRPr sz="14191" b="1">
                 <a:latin typeface="Arial"/>
                 <a:cs typeface="Arial"/>
               </a:defRPr>
@@ -1683,8 +1687,8 @@
         </p:nvSpPr>
         <p:spPr>
           <a:xfrm>
-            <a:off x="2453642" y="5872480"/>
-            <a:ext cx="36994465" cy="20726400"/>
+            <a:off x="1920244" y="4145280"/>
+            <a:ext cx="28952190" cy="14630400"/>
           </a:xfrm>
         </p:spPr>
         <p:txBody>
@@ -1876,8 +1880,8 @@
         </p:nvSpPr>
         <p:spPr>
           <a:xfrm>
-            <a:off x="33901043" y="1669631"/>
-            <a:ext cx="7010400" cy="25274693"/>
+            <a:off x="26531251" y="1178563"/>
+            <a:ext cx="5486400" cy="17840960"/>
           </a:xfrm>
         </p:spPr>
         <p:txBody>
@@ -1904,8 +1908,8 @@
         </p:nvSpPr>
         <p:spPr>
           <a:xfrm>
-            <a:off x="2526660" y="1669631"/>
-            <a:ext cx="30772740" cy="25274693"/>
+            <a:off x="1977386" y="1178563"/>
+            <a:ext cx="24083014" cy="17840960"/>
           </a:xfrm>
         </p:spPr>
         <p:txBody>
@@ -2066,8 +2070,8 @@
         </p:nvSpPr>
         <p:spPr>
           <a:xfrm>
-            <a:off x="3154680" y="2763520"/>
-            <a:ext cx="35753040" cy="5181600"/>
+            <a:off x="2468880" y="1950720"/>
+            <a:ext cx="27980640" cy="3657600"/>
           </a:xfrm>
         </p:spPr>
         <p:txBody>
@@ -2094,8 +2098,8 @@
         </p:nvSpPr>
         <p:spPr>
           <a:xfrm>
-            <a:off x="3154680" y="8981440"/>
-            <a:ext cx="17526000" cy="18653760"/>
+            <a:off x="2468880" y="6339840"/>
+            <a:ext cx="13716000" cy="13167360"/>
           </a:xfrm>
         </p:spPr>
         <p:txBody>
@@ -2151,8 +2155,8 @@
         </p:nvSpPr>
         <p:spPr>
           <a:xfrm>
-            <a:off x="21381720" y="8981440"/>
-            <a:ext cx="17526000" cy="8981440"/>
+            <a:off x="16733520" y="6339840"/>
+            <a:ext cx="13716000" cy="6339840"/>
           </a:xfrm>
         </p:spPr>
         <p:txBody>
@@ -2208,8 +2212,8 @@
         </p:nvSpPr>
         <p:spPr>
           <a:xfrm>
-            <a:off x="21381720" y="18653760"/>
-            <a:ext cx="17526000" cy="8981440"/>
+            <a:off x="16733520" y="13167360"/>
+            <a:ext cx="13716000" cy="6339840"/>
           </a:xfrm>
         </p:spPr>
         <p:txBody>
@@ -2370,8 +2374,8 @@
         </p:nvSpPr>
         <p:spPr>
           <a:xfrm>
-            <a:off x="3154680" y="2763520"/>
-            <a:ext cx="35753040" cy="5181600"/>
+            <a:off x="2468880" y="1950720"/>
+            <a:ext cx="27980640" cy="3657600"/>
           </a:xfrm>
         </p:spPr>
         <p:txBody>
@@ -2398,8 +2402,8 @@
         </p:nvSpPr>
         <p:spPr>
           <a:xfrm>
-            <a:off x="3154680" y="8981440"/>
-            <a:ext cx="17526000" cy="18653760"/>
+            <a:off x="2468880" y="6339840"/>
+            <a:ext cx="13716000" cy="13167360"/>
           </a:xfrm>
         </p:spPr>
         <p:txBody>
@@ -2455,8 +2459,8 @@
         </p:nvSpPr>
         <p:spPr>
           <a:xfrm>
-            <a:off x="21381720" y="8981440"/>
-            <a:ext cx="17526000" cy="18653760"/>
+            <a:off x="16733520" y="6339840"/>
+            <a:ext cx="13716000" cy="13167360"/>
           </a:xfrm>
         </p:spPr>
         <p:txBody>
@@ -2797,8 +2801,8 @@
         </p:nvSpPr>
         <p:spPr>
           <a:xfrm>
-            <a:off x="1672277" y="15199367"/>
-            <a:ext cx="38717855" cy="6664113"/>
+            <a:off x="1308740" y="10728965"/>
+            <a:ext cx="30300930" cy="4704080"/>
           </a:xfrm>
         </p:spPr>
         <p:txBody>
@@ -2825,8 +2829,8 @@
         </p:nvSpPr>
         <p:spPr>
           <a:xfrm>
-            <a:off x="1672277" y="21628667"/>
-            <a:ext cx="38717855" cy="4409442"/>
+            <a:off x="1308740" y="15267295"/>
+            <a:ext cx="30300930" cy="3112547"/>
           </a:xfrm>
         </p:spPr>
         <p:txBody>
@@ -2836,10 +2840,10 @@
           <a:lstStyle>
             <a:lvl1pPr marL="0" indent="0" algn="ctr">
               <a:spcBef>
-                <a:spcPts val="1371"/>
+                <a:spcPts val="968"/>
               </a:spcBef>
               <a:buNone/>
-              <a:defRPr sz="8200">
+              <a:defRPr sz="5788">
                 <a:solidFill>
                   <a:schemeClr val="tx1">
                     <a:tint val="75000"/>
@@ -2847,7 +2851,7 @@
                 </a:solidFill>
               </a:defRPr>
             </a:lvl1pPr>
-            <a:lvl2pPr marL="2090044" indent="0" algn="ctr">
+            <a:lvl2pPr marL="1475505" indent="0" algn="ctr">
               <a:buNone/>
               <a:defRPr>
                 <a:solidFill>
@@ -2857,7 +2861,7 @@
                 </a:solidFill>
               </a:defRPr>
             </a:lvl2pPr>
-            <a:lvl3pPr marL="4180088" indent="0" algn="ctr">
+            <a:lvl3pPr marL="2951010" indent="0" algn="ctr">
               <a:buNone/>
               <a:defRPr>
                 <a:solidFill>
@@ -2867,7 +2871,7 @@
                 </a:solidFill>
               </a:defRPr>
             </a:lvl3pPr>
-            <a:lvl4pPr marL="6270132" indent="0" algn="ctr">
+            <a:lvl4pPr marL="4426516" indent="0" algn="ctr">
               <a:buNone/>
               <a:defRPr>
                 <a:solidFill>
@@ -2877,7 +2881,7 @@
                 </a:solidFill>
               </a:defRPr>
             </a:lvl4pPr>
-            <a:lvl5pPr marL="8360176" indent="0" algn="ctr">
+            <a:lvl5pPr marL="5902021" indent="0" algn="ctr">
               <a:buNone/>
               <a:defRPr>
                 <a:solidFill>
@@ -2887,7 +2891,7 @@
                 </a:solidFill>
               </a:defRPr>
             </a:lvl5pPr>
-            <a:lvl6pPr marL="10450220" indent="0" algn="ctr">
+            <a:lvl6pPr marL="7377526" indent="0" algn="ctr">
               <a:buNone/>
               <a:defRPr>
                 <a:solidFill>
@@ -2897,7 +2901,7 @@
                 </a:solidFill>
               </a:defRPr>
             </a:lvl6pPr>
-            <a:lvl7pPr marL="12540264" indent="0" algn="ctr">
+            <a:lvl7pPr marL="8853031" indent="0" algn="ctr">
               <a:buNone/>
               <a:defRPr>
                 <a:solidFill>
@@ -2907,7 +2911,7 @@
                 </a:solidFill>
               </a:defRPr>
             </a:lvl7pPr>
-            <a:lvl8pPr marL="14630309" indent="0" algn="ctr">
+            <a:lvl8pPr marL="10328538" indent="0" algn="ctr">
               <a:buNone/>
               <a:defRPr>
                 <a:solidFill>
@@ -2917,7 +2921,7 @@
                 </a:solidFill>
               </a:defRPr>
             </a:lvl8pPr>
-            <a:lvl9pPr marL="16720353" indent="0" algn="ctr">
+            <a:lvl9pPr marL="11804043" indent="0" algn="ctr">
               <a:buNone/>
               <a:defRPr>
                 <a:solidFill>
@@ -2949,8 +2953,8 @@
         </p:nvSpPr>
         <p:spPr>
           <a:xfrm>
-            <a:off x="1706508" y="1648039"/>
-            <a:ext cx="38649384" cy="12860441"/>
+            <a:off x="1335528" y="1163322"/>
+            <a:ext cx="30247344" cy="9077958"/>
           </a:xfrm>
           <a:ln w="3175">
             <a:solidFill>
@@ -2972,39 +2976,39 @@
           <a:lstStyle>
             <a:lvl1pPr marL="0" indent="0">
               <a:buNone/>
-              <a:defRPr sz="14600"/>
+              <a:defRPr sz="10308"/>
             </a:lvl1pPr>
-            <a:lvl2pPr marL="2090044" indent="0">
-              <a:buNone/>
-              <a:defRPr sz="12800"/>
+            <a:lvl2pPr marL="1475505" indent="0">
+              <a:buNone/>
+              <a:defRPr sz="9036"/>
             </a:lvl2pPr>
-            <a:lvl3pPr marL="4180088" indent="0">
-              <a:buNone/>
-              <a:defRPr sz="11000"/>
+            <a:lvl3pPr marL="2951010" indent="0">
+              <a:buNone/>
+              <a:defRPr sz="7766"/>
             </a:lvl3pPr>
-            <a:lvl4pPr marL="6270132" indent="0">
-              <a:buNone/>
-              <a:defRPr sz="9100"/>
+            <a:lvl4pPr marL="4426516" indent="0">
+              <a:buNone/>
+              <a:defRPr sz="6424"/>
             </a:lvl4pPr>
-            <a:lvl5pPr marL="8360176" indent="0">
-              <a:buNone/>
-              <a:defRPr sz="9100"/>
+            <a:lvl5pPr marL="5902021" indent="0">
+              <a:buNone/>
+              <a:defRPr sz="6424"/>
             </a:lvl5pPr>
-            <a:lvl6pPr marL="10450220" indent="0">
-              <a:buNone/>
-              <a:defRPr sz="9100"/>
+            <a:lvl6pPr marL="7377526" indent="0">
+              <a:buNone/>
+              <a:defRPr sz="6424"/>
             </a:lvl6pPr>
-            <a:lvl7pPr marL="12540264" indent="0">
-              <a:buNone/>
-              <a:defRPr sz="9100"/>
+            <a:lvl7pPr marL="8853031" indent="0">
+              <a:buNone/>
+              <a:defRPr sz="6424"/>
             </a:lvl7pPr>
-            <a:lvl8pPr marL="14630309" indent="0">
-              <a:buNone/>
-              <a:defRPr sz="9100"/>
+            <a:lvl8pPr marL="10328538" indent="0">
+              <a:buNone/>
+              <a:defRPr sz="6424"/>
             </a:lvl8pPr>
-            <a:lvl9pPr marL="16720353" indent="0">
-              <a:buNone/>
-              <a:defRPr sz="9100"/>
+            <a:lvl9pPr marL="11804043" indent="0">
+              <a:buNone/>
+              <a:defRPr sz="6424"/>
             </a:lvl9pPr>
           </a:lstStyle>
           <a:p>
@@ -3134,15 +3138,15 @@
         </p:nvSpPr>
         <p:spPr>
           <a:xfrm>
-            <a:off x="2526667" y="10894255"/>
-            <a:ext cx="37060190" cy="6174740"/>
+            <a:off x="1977392" y="7690062"/>
+            <a:ext cx="29003627" cy="4358640"/>
           </a:xfrm>
         </p:spPr>
         <p:txBody>
           <a:bodyPr/>
           <a:lstStyle>
             <a:lvl1pPr algn="ctr">
-              <a:defRPr sz="21000" b="0" cap="none" baseline="0"/>
+              <a:defRPr sz="14826" b="0" cap="none" baseline="0"/>
             </a:lvl1pPr>
           </a:lstStyle>
           <a:p>
@@ -3166,8 +3170,8 @@
         </p:nvSpPr>
         <p:spPr>
           <a:xfrm>
-            <a:off x="2526667" y="16936558"/>
-            <a:ext cx="37060190" cy="6800848"/>
+            <a:off x="1977392" y="11955220"/>
+            <a:ext cx="29003627" cy="4800599"/>
           </a:xfrm>
         </p:spPr>
         <p:txBody>
@@ -3177,10 +3181,10 @@
           <a:lstStyle>
             <a:lvl1pPr marL="0" indent="0" algn="ctr">
               <a:spcBef>
-                <a:spcPts val="1371"/>
+                <a:spcPts val="968"/>
               </a:spcBef>
               <a:buNone/>
-              <a:defRPr sz="8200">
+              <a:defRPr sz="5788">
                 <a:solidFill>
                   <a:schemeClr val="tx1">
                     <a:tint val="75000"/>
@@ -3188,9 +3192,9 @@
                 </a:solidFill>
               </a:defRPr>
             </a:lvl1pPr>
-            <a:lvl2pPr marL="2090044" indent="0">
-              <a:buNone/>
-              <a:defRPr sz="8200">
+            <a:lvl2pPr marL="1475505" indent="0">
+              <a:buNone/>
+              <a:defRPr sz="5788">
                 <a:solidFill>
                   <a:schemeClr val="tx1">
                     <a:tint val="75000"/>
@@ -3198,9 +3202,9 @@
                 </a:solidFill>
               </a:defRPr>
             </a:lvl2pPr>
-            <a:lvl3pPr marL="4180088" indent="0">
-              <a:buNone/>
-              <a:defRPr sz="7300">
+            <a:lvl3pPr marL="2951010" indent="0">
+              <a:buNone/>
+              <a:defRPr sz="5153">
                 <a:solidFill>
                   <a:schemeClr val="tx1">
                     <a:tint val="75000"/>
@@ -3208,9 +3212,9 @@
                 </a:solidFill>
               </a:defRPr>
             </a:lvl3pPr>
-            <a:lvl4pPr marL="6270132" indent="0">
-              <a:buNone/>
-              <a:defRPr sz="6400">
+            <a:lvl4pPr marL="4426516" indent="0">
+              <a:buNone/>
+              <a:defRPr sz="4518">
                 <a:solidFill>
                   <a:schemeClr val="tx1">
                     <a:tint val="75000"/>
@@ -3218,9 +3222,9 @@
                 </a:solidFill>
               </a:defRPr>
             </a:lvl4pPr>
-            <a:lvl5pPr marL="8360176" indent="0">
-              <a:buNone/>
-              <a:defRPr sz="6400">
+            <a:lvl5pPr marL="5902021" indent="0">
+              <a:buNone/>
+              <a:defRPr sz="4518">
                 <a:solidFill>
                   <a:schemeClr val="tx1">
                     <a:tint val="75000"/>
@@ -3228,9 +3232,9 @@
                 </a:solidFill>
               </a:defRPr>
             </a:lvl5pPr>
-            <a:lvl6pPr marL="10450220" indent="0">
-              <a:buNone/>
-              <a:defRPr sz="6400">
+            <a:lvl6pPr marL="7377526" indent="0">
+              <a:buNone/>
+              <a:defRPr sz="4518">
                 <a:solidFill>
                   <a:schemeClr val="tx1">
                     <a:tint val="75000"/>
@@ -3238,9 +3242,9 @@
                 </a:solidFill>
               </a:defRPr>
             </a:lvl6pPr>
-            <a:lvl7pPr marL="12540264" indent="0">
-              <a:buNone/>
-              <a:defRPr sz="6400">
+            <a:lvl7pPr marL="8853031" indent="0">
+              <a:buNone/>
+              <a:defRPr sz="4518">
                 <a:solidFill>
                   <a:schemeClr val="tx1">
                     <a:tint val="75000"/>
@@ -3248,9 +3252,9 @@
                 </a:solidFill>
               </a:defRPr>
             </a:lvl7pPr>
-            <a:lvl8pPr marL="14630309" indent="0">
-              <a:buNone/>
-              <a:defRPr sz="6400">
+            <a:lvl8pPr marL="10328538" indent="0">
+              <a:buNone/>
+              <a:defRPr sz="4518">
                 <a:solidFill>
                   <a:schemeClr val="tx1">
                     <a:tint val="75000"/>
@@ -3258,9 +3262,9 @@
                 </a:solidFill>
               </a:defRPr>
             </a:lvl8pPr>
-            <a:lvl9pPr marL="16720353" indent="0">
-              <a:buNone/>
-              <a:defRPr sz="6400">
+            <a:lvl9pPr marL="11804043" indent="0">
+              <a:buNone/>
+              <a:defRPr sz="4518">
                 <a:solidFill>
                   <a:schemeClr val="tx1">
                     <a:tint val="75000"/>
@@ -3402,8 +3406,8 @@
         </p:nvSpPr>
         <p:spPr>
           <a:xfrm>
-            <a:off x="2526665" y="487678"/>
-            <a:ext cx="36994470" cy="6060867"/>
+            <a:off x="1977390" y="344247"/>
+            <a:ext cx="28952194" cy="4278259"/>
           </a:xfrm>
         </p:spPr>
         <p:txBody>
@@ -3430,8 +3434,8 @@
         </p:nvSpPr>
         <p:spPr>
           <a:xfrm>
-            <a:off x="2526665" y="7254245"/>
-            <a:ext cx="17666208" cy="19690080"/>
+            <a:off x="1977390" y="5120644"/>
+            <a:ext cx="13825728" cy="13898880"/>
           </a:xfrm>
         </p:spPr>
         <p:txBody>
@@ -3441,33 +3445,33 @@
           <a:lstStyle>
             <a:lvl1pPr>
               <a:spcBef>
-                <a:spcPts val="7314"/>
+                <a:spcPts val="5163"/>
               </a:spcBef>
-              <a:defRPr sz="9100"/>
+              <a:defRPr sz="6424"/>
             </a:lvl1pPr>
             <a:lvl2pPr>
-              <a:defRPr sz="8200"/>
+              <a:defRPr sz="5788"/>
             </a:lvl2pPr>
             <a:lvl3pPr>
-              <a:defRPr sz="8200"/>
+              <a:defRPr sz="5788"/>
             </a:lvl3pPr>
             <a:lvl4pPr>
-              <a:defRPr sz="8200"/>
+              <a:defRPr sz="5788"/>
             </a:lvl4pPr>
             <a:lvl5pPr>
-              <a:defRPr sz="8200"/>
+              <a:defRPr sz="5788"/>
             </a:lvl5pPr>
             <a:lvl6pPr>
-              <a:defRPr sz="8200"/>
+              <a:defRPr sz="5788"/>
             </a:lvl6pPr>
             <a:lvl7pPr>
-              <a:defRPr sz="8200"/>
+              <a:defRPr sz="5788"/>
             </a:lvl7pPr>
             <a:lvl8pPr>
-              <a:defRPr sz="8200"/>
+              <a:defRPr sz="5788"/>
             </a:lvl8pPr>
             <a:lvl9pPr>
-              <a:defRPr sz="8200"/>
+              <a:defRPr sz="5788"/>
             </a:lvl9pPr>
           </a:lstStyle>
           <a:p>
@@ -3520,8 +3524,8 @@
         </p:nvSpPr>
         <p:spPr>
           <a:xfrm>
-            <a:off x="21854927" y="7254245"/>
-            <a:ext cx="17666208" cy="19690080"/>
+            <a:off x="17103856" y="5120644"/>
+            <a:ext cx="13825728" cy="13898880"/>
           </a:xfrm>
         </p:spPr>
         <p:txBody>
@@ -3531,33 +3535,33 @@
           <a:lstStyle>
             <a:lvl1pPr>
               <a:spcBef>
-                <a:spcPts val="7314"/>
+                <a:spcPts val="5163"/>
               </a:spcBef>
-              <a:defRPr sz="9100"/>
+              <a:defRPr sz="6424"/>
             </a:lvl1pPr>
             <a:lvl2pPr>
-              <a:defRPr sz="8200"/>
+              <a:defRPr sz="5788"/>
             </a:lvl2pPr>
             <a:lvl3pPr>
-              <a:defRPr sz="8200"/>
+              <a:defRPr sz="5788"/>
             </a:lvl3pPr>
             <a:lvl4pPr>
-              <a:defRPr sz="8200"/>
+              <a:defRPr sz="5788"/>
             </a:lvl4pPr>
             <a:lvl5pPr>
-              <a:defRPr sz="8200"/>
+              <a:defRPr sz="5788"/>
             </a:lvl5pPr>
             <a:lvl6pPr>
-              <a:defRPr sz="8200"/>
+              <a:defRPr sz="5788"/>
             </a:lvl6pPr>
             <a:lvl7pPr>
-              <a:defRPr sz="8200"/>
+              <a:defRPr sz="5788"/>
             </a:lvl7pPr>
             <a:lvl8pPr>
-              <a:defRPr sz="8200"/>
+              <a:defRPr sz="5788"/>
             </a:lvl8pPr>
             <a:lvl9pPr>
-              <a:defRPr sz="8200"/>
+              <a:defRPr sz="5788"/>
             </a:lvl9pPr>
           </a:lstStyle>
           <a:p>
@@ -3715,15 +3719,15 @@
         </p:nvSpPr>
         <p:spPr>
           <a:xfrm>
-            <a:off x="2526660" y="487678"/>
-            <a:ext cx="36994470" cy="4693922"/>
+            <a:off x="1977386" y="344245"/>
+            <a:ext cx="28952194" cy="3313357"/>
           </a:xfrm>
         </p:spPr>
         <p:txBody>
           <a:bodyPr/>
           <a:lstStyle>
             <a:lvl1pPr>
-              <a:defRPr sz="20100" b="1">
+              <a:defRPr sz="14191" b="1">
                 <a:latin typeface="Arial"/>
                 <a:cs typeface="Arial"/>
               </a:defRPr>
@@ -3750,8 +3754,8 @@
         </p:nvSpPr>
         <p:spPr>
           <a:xfrm>
-            <a:off x="2526660" y="6587951"/>
-            <a:ext cx="17666208" cy="3404021"/>
+            <a:off x="1977386" y="4650320"/>
+            <a:ext cx="13825728" cy="2402838"/>
           </a:xfrm>
         </p:spPr>
         <p:txBody>
@@ -3764,7 +3768,7 @@
                 <a:spcPts val="0"/>
               </a:spcBef>
               <a:buNone/>
-              <a:defRPr sz="11000" b="0">
+              <a:defRPr sz="7766" b="0">
                 <a:solidFill>
                   <a:schemeClr val="accent1">
                     <a:lumMod val="60000"/>
@@ -3775,37 +3779,37 @@
                 <a:cs typeface="Arial"/>
               </a:defRPr>
             </a:lvl1pPr>
-            <a:lvl2pPr marL="2090044" indent="0">
-              <a:buNone/>
-              <a:defRPr sz="9100" b="1"/>
+            <a:lvl2pPr marL="1475505" indent="0">
+              <a:buNone/>
+              <a:defRPr sz="6424" b="1"/>
             </a:lvl2pPr>
-            <a:lvl3pPr marL="4180088" indent="0">
-              <a:buNone/>
-              <a:defRPr sz="8200" b="1"/>
+            <a:lvl3pPr marL="2951010" indent="0">
+              <a:buNone/>
+              <a:defRPr sz="5788" b="1"/>
             </a:lvl3pPr>
-            <a:lvl4pPr marL="6270132" indent="0">
-              <a:buNone/>
-              <a:defRPr sz="7300" b="1"/>
+            <a:lvl4pPr marL="4426516" indent="0">
+              <a:buNone/>
+              <a:defRPr sz="5153" b="1"/>
             </a:lvl4pPr>
-            <a:lvl5pPr marL="8360176" indent="0">
-              <a:buNone/>
-              <a:defRPr sz="7300" b="1"/>
+            <a:lvl5pPr marL="5902021" indent="0">
+              <a:buNone/>
+              <a:defRPr sz="5153" b="1"/>
             </a:lvl5pPr>
-            <a:lvl6pPr marL="10450220" indent="0">
-              <a:buNone/>
-              <a:defRPr sz="7300" b="1"/>
+            <a:lvl6pPr marL="7377526" indent="0">
+              <a:buNone/>
+              <a:defRPr sz="5153" b="1"/>
             </a:lvl6pPr>
-            <a:lvl7pPr marL="12540264" indent="0">
-              <a:buNone/>
-              <a:defRPr sz="7300" b="1"/>
+            <a:lvl7pPr marL="8853031" indent="0">
+              <a:buNone/>
+              <a:defRPr sz="5153" b="1"/>
             </a:lvl7pPr>
-            <a:lvl8pPr marL="14630309" indent="0">
-              <a:buNone/>
-              <a:defRPr sz="7300" b="1"/>
+            <a:lvl8pPr marL="10328538" indent="0">
+              <a:buNone/>
+              <a:defRPr sz="5153" b="1"/>
             </a:lvl8pPr>
-            <a:lvl9pPr marL="16720353" indent="0">
-              <a:buNone/>
-              <a:defRPr sz="7300" b="1"/>
+            <a:lvl9pPr marL="11804043" indent="0">
+              <a:buNone/>
+              <a:defRPr sz="5153" b="1"/>
             </a:lvl9pPr>
           </a:lstStyle>
           <a:p>
@@ -3829,8 +3833,8 @@
         </p:nvSpPr>
         <p:spPr>
           <a:xfrm>
-            <a:off x="2526660" y="10641617"/>
-            <a:ext cx="17666208" cy="16302705"/>
+            <a:off x="1977386" y="7511731"/>
+            <a:ext cx="13825728" cy="11507792"/>
           </a:xfrm>
         </p:spPr>
         <p:txBody>
@@ -3840,48 +3844,48 @@
           <a:lstStyle>
             <a:lvl1pPr>
               <a:spcBef>
-                <a:spcPts val="7314"/>
+                <a:spcPts val="5163"/>
               </a:spcBef>
-              <a:defRPr sz="9100">
+              <a:defRPr sz="6424">
                 <a:latin typeface="Arial"/>
                 <a:cs typeface="Arial"/>
               </a:defRPr>
             </a:lvl1pPr>
             <a:lvl2pPr>
-              <a:defRPr sz="8200">
+              <a:defRPr sz="5788">
                 <a:latin typeface="Arial"/>
                 <a:cs typeface="Arial"/>
               </a:defRPr>
             </a:lvl2pPr>
             <a:lvl3pPr>
-              <a:defRPr sz="8200">
+              <a:defRPr sz="5788">
                 <a:latin typeface="Arial"/>
                 <a:cs typeface="Arial"/>
               </a:defRPr>
             </a:lvl3pPr>
             <a:lvl4pPr>
-              <a:defRPr sz="8200">
+              <a:defRPr sz="5788">
                 <a:latin typeface="Arial"/>
                 <a:cs typeface="Arial"/>
               </a:defRPr>
             </a:lvl4pPr>
             <a:lvl5pPr>
-              <a:defRPr sz="8200">
+              <a:defRPr sz="5788">
                 <a:latin typeface="Arial"/>
                 <a:cs typeface="Arial"/>
               </a:defRPr>
             </a:lvl5pPr>
             <a:lvl6pPr>
-              <a:defRPr sz="7300"/>
+              <a:defRPr sz="5153"/>
             </a:lvl6pPr>
             <a:lvl7pPr>
-              <a:defRPr sz="7300"/>
+              <a:defRPr sz="5153"/>
             </a:lvl7pPr>
             <a:lvl8pPr>
-              <a:defRPr sz="7300"/>
+              <a:defRPr sz="5153"/>
             </a:lvl8pPr>
             <a:lvl9pPr>
-              <a:defRPr sz="7300"/>
+              <a:defRPr sz="5153"/>
             </a:lvl9pPr>
           </a:lstStyle>
           <a:p>
@@ -3934,8 +3938,8 @@
         </p:nvSpPr>
         <p:spPr>
           <a:xfrm>
-            <a:off x="21854922" y="6587951"/>
-            <a:ext cx="17666208" cy="3404021"/>
+            <a:off x="17103852" y="4650320"/>
+            <a:ext cx="13825728" cy="2402838"/>
           </a:xfrm>
         </p:spPr>
         <p:txBody>
@@ -3948,7 +3952,7 @@
                 <a:spcPts val="0"/>
               </a:spcBef>
               <a:buNone/>
-              <a:defRPr sz="11000" b="0">
+              <a:defRPr sz="7766" b="0">
                 <a:solidFill>
                   <a:schemeClr val="accent1">
                     <a:lumMod val="60000"/>
@@ -3959,37 +3963,37 @@
                 <a:cs typeface="Arial"/>
               </a:defRPr>
             </a:lvl1pPr>
-            <a:lvl2pPr marL="2090044" indent="0">
-              <a:buNone/>
-              <a:defRPr sz="9100" b="1"/>
+            <a:lvl2pPr marL="1475505" indent="0">
+              <a:buNone/>
+              <a:defRPr sz="6424" b="1"/>
             </a:lvl2pPr>
-            <a:lvl3pPr marL="4180088" indent="0">
-              <a:buNone/>
-              <a:defRPr sz="8200" b="1"/>
+            <a:lvl3pPr marL="2951010" indent="0">
+              <a:buNone/>
+              <a:defRPr sz="5788" b="1"/>
             </a:lvl3pPr>
-            <a:lvl4pPr marL="6270132" indent="0">
-              <a:buNone/>
-              <a:defRPr sz="7300" b="1"/>
+            <a:lvl4pPr marL="4426516" indent="0">
+              <a:buNone/>
+              <a:defRPr sz="5153" b="1"/>
             </a:lvl4pPr>
-            <a:lvl5pPr marL="8360176" indent="0">
-              <a:buNone/>
-              <a:defRPr sz="7300" b="1"/>
+            <a:lvl5pPr marL="5902021" indent="0">
+              <a:buNone/>
+              <a:defRPr sz="5153" b="1"/>
             </a:lvl5pPr>
-            <a:lvl6pPr marL="10450220" indent="0">
-              <a:buNone/>
-              <a:defRPr sz="7300" b="1"/>
+            <a:lvl6pPr marL="7377526" indent="0">
+              <a:buNone/>
+              <a:defRPr sz="5153" b="1"/>
             </a:lvl6pPr>
-            <a:lvl7pPr marL="12540264" indent="0">
-              <a:buNone/>
-              <a:defRPr sz="7300" b="1"/>
+            <a:lvl7pPr marL="8853031" indent="0">
+              <a:buNone/>
+              <a:defRPr sz="5153" b="1"/>
             </a:lvl7pPr>
-            <a:lvl8pPr marL="14630309" indent="0">
-              <a:buNone/>
-              <a:defRPr sz="7300" b="1"/>
+            <a:lvl8pPr marL="10328538" indent="0">
+              <a:buNone/>
+              <a:defRPr sz="5153" b="1"/>
             </a:lvl8pPr>
-            <a:lvl9pPr marL="16720353" indent="0">
-              <a:buNone/>
-              <a:defRPr sz="7300" b="1"/>
+            <a:lvl9pPr marL="11804043" indent="0">
+              <a:buNone/>
+              <a:defRPr sz="5153" b="1"/>
             </a:lvl9pPr>
           </a:lstStyle>
           <a:p>
@@ -4013,8 +4017,8 @@
         </p:nvSpPr>
         <p:spPr>
           <a:xfrm>
-            <a:off x="21854922" y="10641617"/>
-            <a:ext cx="17666208" cy="16302705"/>
+            <a:off x="17103852" y="7511731"/>
+            <a:ext cx="13825728" cy="11507792"/>
           </a:xfrm>
         </p:spPr>
         <p:txBody>
@@ -4024,48 +4028,48 @@
           <a:lstStyle>
             <a:lvl1pPr>
               <a:spcBef>
-                <a:spcPts val="7314"/>
+                <a:spcPts val="5163"/>
               </a:spcBef>
-              <a:defRPr sz="9100">
+              <a:defRPr sz="6424">
                 <a:latin typeface="Arial"/>
                 <a:cs typeface="Arial"/>
               </a:defRPr>
             </a:lvl1pPr>
             <a:lvl2pPr>
-              <a:defRPr sz="8200">
+              <a:defRPr sz="5788">
                 <a:latin typeface="Arial"/>
                 <a:cs typeface="Arial"/>
               </a:defRPr>
             </a:lvl2pPr>
             <a:lvl3pPr>
-              <a:defRPr sz="8200">
+              <a:defRPr sz="5788">
                 <a:latin typeface="Arial"/>
                 <a:cs typeface="Arial"/>
               </a:defRPr>
             </a:lvl3pPr>
             <a:lvl4pPr>
-              <a:defRPr sz="8200">
+              <a:defRPr sz="5788">
                 <a:latin typeface="Arial"/>
                 <a:cs typeface="Arial"/>
               </a:defRPr>
             </a:lvl4pPr>
             <a:lvl5pPr>
-              <a:defRPr sz="8200">
+              <a:defRPr sz="5788">
                 <a:latin typeface="Arial"/>
                 <a:cs typeface="Arial"/>
               </a:defRPr>
             </a:lvl5pPr>
             <a:lvl6pPr>
-              <a:defRPr sz="7300"/>
+              <a:defRPr sz="5153"/>
             </a:lvl6pPr>
             <a:lvl7pPr>
-              <a:defRPr sz="7300"/>
+              <a:defRPr sz="5153"/>
             </a:lvl7pPr>
             <a:lvl8pPr>
-              <a:defRPr sz="7300"/>
+              <a:defRPr sz="5153"/>
             </a:lvl8pPr>
             <a:lvl9pPr>
-              <a:defRPr sz="7300"/>
+              <a:defRPr sz="5153"/>
             </a:lvl9pPr>
           </a:lstStyle>
           <a:p>
@@ -4223,15 +4227,15 @@
         </p:nvSpPr>
         <p:spPr>
           <a:xfrm>
-            <a:off x="2526667" y="489378"/>
-            <a:ext cx="36994465" cy="4346787"/>
+            <a:off x="1977394" y="345444"/>
+            <a:ext cx="28952190" cy="3068320"/>
           </a:xfrm>
         </p:spPr>
         <p:txBody>
           <a:bodyPr/>
           <a:lstStyle>
             <a:lvl1pPr>
-              <a:defRPr sz="20100" b="1">
+              <a:defRPr sz="14191" b="1">
                 <a:latin typeface="Arial"/>
                 <a:cs typeface="Arial"/>
               </a:defRPr>
@@ -4468,15 +4472,15 @@
         </p:nvSpPr>
         <p:spPr>
           <a:xfrm>
-            <a:off x="2453635" y="2773820"/>
-            <a:ext cx="17666208" cy="5267960"/>
+            <a:off x="1920236" y="1957991"/>
+            <a:ext cx="13825728" cy="3718560"/>
           </a:xfrm>
         </p:spPr>
         <p:txBody>
           <a:bodyPr/>
           <a:lstStyle>
             <a:lvl1pPr algn="ctr">
-              <a:defRPr sz="16500" b="0">
+              <a:defRPr sz="11647" b="0">
                 <a:latin typeface="Arial"/>
                 <a:cs typeface="Arial"/>
               </a:defRPr>
@@ -4503,8 +4507,8 @@
         </p:nvSpPr>
         <p:spPr>
           <a:xfrm>
-            <a:off x="21816990" y="1669627"/>
-            <a:ext cx="17666208" cy="25274693"/>
+            <a:off x="17074166" y="1178560"/>
+            <a:ext cx="13825728" cy="17840960"/>
           </a:xfrm>
         </p:spPr>
         <p:txBody>
@@ -4514,48 +4518,48 @@
           <a:lstStyle>
             <a:lvl1pPr>
               <a:spcBef>
-                <a:spcPts val="9143"/>
+                <a:spcPts val="6454"/>
               </a:spcBef>
-              <a:defRPr sz="10100">
+              <a:defRPr sz="7130">
                 <a:latin typeface="Arial"/>
                 <a:cs typeface="Arial"/>
               </a:defRPr>
             </a:lvl1pPr>
             <a:lvl2pPr>
-              <a:defRPr sz="9100">
+              <a:defRPr sz="6424">
                 <a:latin typeface="Arial"/>
                 <a:cs typeface="Arial"/>
               </a:defRPr>
             </a:lvl2pPr>
             <a:lvl3pPr>
-              <a:defRPr sz="8200">
+              <a:defRPr sz="5788">
                 <a:latin typeface="Arial"/>
                 <a:cs typeface="Arial"/>
               </a:defRPr>
             </a:lvl3pPr>
             <a:lvl4pPr>
-              <a:defRPr sz="8200">
+              <a:defRPr sz="5788">
                 <a:latin typeface="Arial"/>
                 <a:cs typeface="Arial"/>
               </a:defRPr>
             </a:lvl4pPr>
             <a:lvl5pPr>
-              <a:defRPr sz="8200">
+              <a:defRPr sz="5788">
                 <a:latin typeface="Arial"/>
                 <a:cs typeface="Arial"/>
               </a:defRPr>
             </a:lvl5pPr>
             <a:lvl6pPr>
-              <a:defRPr sz="9100"/>
+              <a:defRPr sz="6424"/>
             </a:lvl6pPr>
             <a:lvl7pPr>
-              <a:defRPr sz="9100"/>
+              <a:defRPr sz="6424"/>
             </a:lvl7pPr>
             <a:lvl8pPr>
-              <a:defRPr sz="9100"/>
+              <a:defRPr sz="6424"/>
             </a:lvl8pPr>
             <a:lvl9pPr>
-              <a:defRPr sz="9100"/>
+              <a:defRPr sz="6424"/>
             </a:lvl9pPr>
           </a:lstStyle>
           <a:p>
@@ -4608,8 +4612,8 @@
         </p:nvSpPr>
         <p:spPr>
           <a:xfrm>
-            <a:off x="2453635" y="8104947"/>
-            <a:ext cx="17666208" cy="16864689"/>
+            <a:off x="1920236" y="5721140"/>
+            <a:ext cx="13825728" cy="11904486"/>
           </a:xfrm>
         </p:spPr>
         <p:txBody>
@@ -4619,42 +4623,42 @@
           <a:lstStyle>
             <a:lvl1pPr marL="0" indent="0" algn="ctr">
               <a:buNone/>
-              <a:defRPr sz="8200">
+              <a:defRPr sz="5788">
                 <a:latin typeface="Arial"/>
                 <a:cs typeface="Arial"/>
               </a:defRPr>
             </a:lvl1pPr>
-            <a:lvl2pPr marL="2090044" indent="0">
-              <a:buNone/>
-              <a:defRPr sz="5500"/>
+            <a:lvl2pPr marL="1475505" indent="0">
+              <a:buNone/>
+              <a:defRPr sz="3882"/>
             </a:lvl2pPr>
-            <a:lvl3pPr marL="4180088" indent="0">
-              <a:buNone/>
-              <a:defRPr sz="4600"/>
+            <a:lvl3pPr marL="2951010" indent="0">
+              <a:buNone/>
+              <a:defRPr sz="3247"/>
             </a:lvl3pPr>
-            <a:lvl4pPr marL="6270132" indent="0">
-              <a:buNone/>
-              <a:defRPr sz="4100"/>
+            <a:lvl4pPr marL="4426516" indent="0">
+              <a:buNone/>
+              <a:defRPr sz="2894"/>
             </a:lvl4pPr>
-            <a:lvl5pPr marL="8360176" indent="0">
-              <a:buNone/>
-              <a:defRPr sz="4100"/>
+            <a:lvl5pPr marL="5902021" indent="0">
+              <a:buNone/>
+              <a:defRPr sz="2894"/>
             </a:lvl5pPr>
-            <a:lvl6pPr marL="10450220" indent="0">
-              <a:buNone/>
-              <a:defRPr sz="4100"/>
+            <a:lvl6pPr marL="7377526" indent="0">
+              <a:buNone/>
+              <a:defRPr sz="2894"/>
             </a:lvl6pPr>
-            <a:lvl7pPr marL="12540264" indent="0">
-              <a:buNone/>
-              <a:defRPr sz="4100"/>
+            <a:lvl7pPr marL="8853031" indent="0">
+              <a:buNone/>
+              <a:defRPr sz="2894"/>
             </a:lvl7pPr>
-            <a:lvl8pPr marL="14630309" indent="0">
-              <a:buNone/>
-              <a:defRPr sz="4100"/>
+            <a:lvl8pPr marL="10328538" indent="0">
+              <a:buNone/>
+              <a:defRPr sz="2894"/>
             </a:lvl8pPr>
-            <a:lvl9pPr marL="16720353" indent="0">
-              <a:buNone/>
-              <a:defRPr sz="4100"/>
+            <a:lvl9pPr marL="11804043" indent="0">
+              <a:buNone/>
+              <a:defRPr sz="2894"/>
             </a:lvl9pPr>
           </a:lstStyle>
           <a:p>
@@ -4791,8 +4795,8 @@
         </p:nvSpPr>
         <p:spPr bwMode="auto">
           <a:xfrm>
-            <a:off x="2527300" y="488950"/>
-            <a:ext cx="36993513" cy="4346575"/>
+            <a:off x="1977890" y="345141"/>
+            <a:ext cx="28951445" cy="3068171"/>
           </a:xfrm>
           <a:prstGeom prst="rect">
             <a:avLst/>
@@ -4834,8 +4838,8 @@
         </p:nvSpPr>
         <p:spPr bwMode="auto">
           <a:xfrm>
-            <a:off x="2527300" y="5527675"/>
-            <a:ext cx="36993513" cy="21416963"/>
+            <a:off x="1977890" y="3901889"/>
+            <a:ext cx="28951445" cy="15117856"/>
           </a:xfrm>
           <a:prstGeom prst="rect">
             <a:avLst/>
@@ -4905,8 +4909,8 @@
         </p:nvSpPr>
         <p:spPr>
           <a:xfrm>
-            <a:off x="25895300" y="28448000"/>
-            <a:ext cx="9813925" cy="1655763"/>
+            <a:off x="20265890" y="20080941"/>
+            <a:ext cx="7680463" cy="1168774"/>
           </a:xfrm>
           <a:prstGeom prst="rect">
             <a:avLst/>
@@ -4916,7 +4920,7 @@
           <a:bodyPr vert="horz" lIns="418009" tIns="209004" rIns="418009" bIns="209004" rtlCol="0" anchor="ctr"/>
           <a:lstStyle>
             <a:lvl1pPr algn="r">
-              <a:defRPr sz="5500">
+              <a:defRPr sz="3882">
                 <a:solidFill>
                   <a:schemeClr val="bg1"/>
                 </a:solidFill>
@@ -4946,8 +4950,8 @@
         </p:nvSpPr>
         <p:spPr>
           <a:xfrm>
-            <a:off x="1219200" y="28448000"/>
-            <a:ext cx="22266275" cy="1655763"/>
+            <a:off x="954157" y="20080941"/>
+            <a:ext cx="17425780" cy="1168774"/>
           </a:xfrm>
           <a:prstGeom prst="rect">
             <a:avLst/>
@@ -4957,7 +4961,7 @@
           <a:bodyPr vert="horz" lIns="418009" tIns="209004" rIns="418009" bIns="209004" rtlCol="0" anchor="ctr"/>
           <a:lstStyle>
             <a:lvl1pPr algn="l">
-              <a:defRPr sz="5500">
+              <a:defRPr sz="3882">
                 <a:solidFill>
                   <a:schemeClr val="bg1"/>
                 </a:solidFill>
@@ -4987,8 +4991,8 @@
         </p:nvSpPr>
         <p:spPr>
           <a:xfrm>
-            <a:off x="36329938" y="28448000"/>
-            <a:ext cx="4556125" cy="1655763"/>
+            <a:off x="28432129" y="20080941"/>
+            <a:ext cx="3565663" cy="1168774"/>
           </a:xfrm>
           <a:prstGeom prst="rect">
             <a:avLst/>
@@ -5002,7 +5006,7 @@
           </a:bodyPr>
           <a:lstStyle>
             <a:lvl1pPr algn="r">
-              <a:defRPr sz="16500">
+              <a:defRPr sz="11647">
                 <a:solidFill>
                   <a:schemeClr val="bg1"/>
                 </a:solidFill>
@@ -5047,7 +5051,7 @@
         <a:spcAft>
           <a:spcPct val="0"/>
         </a:spcAft>
-        <a:defRPr sz="20100" b="1" kern="1200">
+        <a:defRPr sz="14191" b="1" kern="1200">
           <a:solidFill>
             <a:srgbClr val="0F3661"/>
           </a:solidFill>
@@ -5063,7 +5067,7 @@
         <a:spcAft>
           <a:spcPct val="0"/>
         </a:spcAft>
-        <a:defRPr sz="20100" b="1">
+        <a:defRPr sz="14191" b="1">
           <a:solidFill>
             <a:srgbClr val="0F3661"/>
           </a:solidFill>
@@ -5079,7 +5083,7 @@
         <a:spcAft>
           <a:spcPct val="0"/>
         </a:spcAft>
-        <a:defRPr sz="20100" b="1">
+        <a:defRPr sz="14191" b="1">
           <a:solidFill>
             <a:srgbClr val="0F3661"/>
           </a:solidFill>
@@ -5095,7 +5099,7 @@
         <a:spcAft>
           <a:spcPct val="0"/>
         </a:spcAft>
-        <a:defRPr sz="20100" b="1">
+        <a:defRPr sz="14191" b="1">
           <a:solidFill>
             <a:srgbClr val="0F3661"/>
           </a:solidFill>
@@ -5111,7 +5115,7 @@
         <a:spcAft>
           <a:spcPct val="0"/>
         </a:spcAft>
-        <a:defRPr sz="20100" b="1">
+        <a:defRPr sz="14191" b="1">
           <a:solidFill>
             <a:srgbClr val="0F3661"/>
           </a:solidFill>
@@ -5120,14 +5124,14 @@
           <a:cs typeface="ＭＳ Ｐゴシック" pitchFamily="-65" charset="-128"/>
         </a:defRPr>
       </a:lvl5pPr>
-      <a:lvl6pPr marL="2090044" algn="ctr" rtl="0" eaLnBrk="1" fontAlgn="base" hangingPunct="1">
+      <a:lvl6pPr marL="1475505" algn="ctr" rtl="0" eaLnBrk="1" fontAlgn="base" hangingPunct="1">
         <a:spcBef>
           <a:spcPct val="0"/>
         </a:spcBef>
         <a:spcAft>
           <a:spcPct val="0"/>
         </a:spcAft>
-        <a:defRPr sz="21000">
+        <a:defRPr sz="14826">
           <a:solidFill>
             <a:schemeClr val="accent1"/>
           </a:solidFill>
@@ -5136,14 +5140,14 @@
           <a:cs typeface="ＭＳ Ｐゴシック" pitchFamily="-65" charset="-128"/>
         </a:defRPr>
       </a:lvl6pPr>
-      <a:lvl7pPr marL="4180088" algn="ctr" rtl="0" eaLnBrk="1" fontAlgn="base" hangingPunct="1">
+      <a:lvl7pPr marL="2951010" algn="ctr" rtl="0" eaLnBrk="1" fontAlgn="base" hangingPunct="1">
         <a:spcBef>
           <a:spcPct val="0"/>
         </a:spcBef>
         <a:spcAft>
           <a:spcPct val="0"/>
         </a:spcAft>
-        <a:defRPr sz="21000">
+        <a:defRPr sz="14826">
           <a:solidFill>
             <a:schemeClr val="accent1"/>
           </a:solidFill>
@@ -5152,14 +5156,14 @@
           <a:cs typeface="ＭＳ Ｐゴシック" pitchFamily="-65" charset="-128"/>
         </a:defRPr>
       </a:lvl7pPr>
-      <a:lvl8pPr marL="6270132" algn="ctr" rtl="0" eaLnBrk="1" fontAlgn="base" hangingPunct="1">
+      <a:lvl8pPr marL="4426516" algn="ctr" rtl="0" eaLnBrk="1" fontAlgn="base" hangingPunct="1">
         <a:spcBef>
           <a:spcPct val="0"/>
         </a:spcBef>
         <a:spcAft>
           <a:spcPct val="0"/>
         </a:spcAft>
-        <a:defRPr sz="21000">
+        <a:defRPr sz="14826">
           <a:solidFill>
             <a:schemeClr val="accent1"/>
           </a:solidFill>
@@ -5168,14 +5172,14 @@
           <a:cs typeface="ＭＳ Ｐゴシック" pitchFamily="-65" charset="-128"/>
         </a:defRPr>
       </a:lvl8pPr>
-      <a:lvl9pPr marL="8360176" algn="ctr" rtl="0" eaLnBrk="1" fontAlgn="base" hangingPunct="1">
+      <a:lvl9pPr marL="5902021" algn="ctr" rtl="0" eaLnBrk="1" fontAlgn="base" hangingPunct="1">
         <a:spcBef>
           <a:spcPct val="0"/>
         </a:spcBef>
         <a:spcAft>
           <a:spcPct val="0"/>
         </a:spcAft>
-        <a:defRPr sz="21000">
+        <a:defRPr sz="14826">
           <a:solidFill>
             <a:schemeClr val="accent1"/>
           </a:solidFill>
@@ -5186,9 +5190,9 @@
       </a:lvl9pPr>
     </p:titleStyle>
     <p:bodyStyle>
-      <a:lvl1pPr marL="1566863" indent="-1566863" algn="l" rtl="0" eaLnBrk="0" fontAlgn="base" hangingPunct="0">
+      <a:lvl1pPr marL="1106157" indent="-1106157" algn="l" rtl="0" eaLnBrk="0" fontAlgn="base" hangingPunct="0">
         <a:spcBef>
-          <a:spcPts val="9138"/>
+          <a:spcPts val="6451"/>
         </a:spcBef>
         <a:spcAft>
           <a:spcPct val="0"/>
@@ -5199,7 +5203,7 @@
         <a:buSzPct val="110000"/>
         <a:buFont typeface="Arial" pitchFamily="34" charset="0"/>
         <a:buChar char="•"/>
-        <a:defRPr sz="11000" kern="1200">
+        <a:defRPr sz="7766" kern="1200">
           <a:solidFill>
             <a:srgbClr val="09213B"/>
           </a:solidFill>
@@ -5208,9 +5212,9 @@
           <a:cs typeface="Arial"/>
         </a:defRPr>
       </a:lvl1pPr>
-      <a:lvl2pPr marL="3163888" indent="-1566863" algn="l" rtl="0" eaLnBrk="0" fontAlgn="base" hangingPunct="0">
+      <a:lvl2pPr marL="2233605" indent="-1106157" algn="l" rtl="0" eaLnBrk="0" fontAlgn="base" hangingPunct="0">
         <a:spcBef>
-          <a:spcPts val="2738"/>
+          <a:spcPts val="1933"/>
         </a:spcBef>
         <a:spcAft>
           <a:spcPct val="0"/>
@@ -5221,7 +5225,7 @@
         <a:buSzPct val="110000"/>
         <a:buFont typeface="Arial" pitchFamily="34" charset="0"/>
         <a:buChar char="•"/>
-        <a:defRPr sz="10100" kern="1200">
+        <a:defRPr sz="7130" kern="1200">
           <a:solidFill>
             <a:srgbClr val="09213B"/>
           </a:solidFill>
@@ -5230,9 +5234,9 @@
           <a:cs typeface="Arial"/>
         </a:defRPr>
       </a:lvl2pPr>
-      <a:lvl3pPr marL="4702175" indent="-1566863" algn="l" rtl="0" eaLnBrk="0" fontAlgn="base" hangingPunct="0">
+      <a:lvl3pPr marL="3319587" indent="-1106157" algn="l" rtl="0" eaLnBrk="0" fontAlgn="base" hangingPunct="0">
         <a:spcBef>
-          <a:spcPts val="2738"/>
+          <a:spcPts val="1933"/>
         </a:spcBef>
         <a:spcAft>
           <a:spcPct val="0"/>
@@ -5243,7 +5247,7 @@
         <a:buSzPct val="110000"/>
         <a:buFont typeface="Arial" pitchFamily="34" charset="0"/>
         <a:buChar char="•"/>
-        <a:defRPr sz="9100" kern="1200">
+        <a:defRPr sz="6424" kern="1200">
           <a:solidFill>
             <a:srgbClr val="09213B"/>
           </a:solidFill>
@@ -5252,9 +5256,9 @@
           <a:cs typeface="Arial"/>
         </a:defRPr>
       </a:lvl3pPr>
-      <a:lvl4pPr marL="5732463" indent="-1304925" algn="l" rtl="0" eaLnBrk="0" fontAlgn="base" hangingPunct="0">
+      <a:lvl4pPr marL="4046940" indent="-921237" algn="l" rtl="0" eaLnBrk="0" fontAlgn="base" hangingPunct="0">
         <a:spcBef>
-          <a:spcPts val="2738"/>
+          <a:spcPts val="1933"/>
         </a:spcBef>
         <a:spcAft>
           <a:spcPct val="0"/>
@@ -5274,9 +5278,9 @@
           <a:cs typeface="Arial"/>
         </a:defRPr>
       </a:lvl4pPr>
-      <a:lvl5pPr marL="7081838" indent="-1304925" algn="l" rtl="0" eaLnBrk="0" fontAlgn="base" hangingPunct="0">
+      <a:lvl5pPr marL="4999554" indent="-921237" algn="l" rtl="0" eaLnBrk="0" fontAlgn="base" hangingPunct="0">
         <a:spcBef>
-          <a:spcPts val="2738"/>
+          <a:spcPts val="1933"/>
         </a:spcBef>
         <a:spcAft>
           <a:spcPct val="0"/>
@@ -5296,13 +5300,13 @@
           <a:cs typeface="Arial"/>
         </a:defRPr>
       </a:lvl5pPr>
-      <a:lvl6pPr marL="11495242" indent="-1045022" algn="l" defTabSz="4180088" rtl="0" eaLnBrk="1" latinLnBrk="0" hangingPunct="1">
+      <a:lvl6pPr marL="8115279" indent="-737753" algn="l" defTabSz="2951010" rtl="0" eaLnBrk="1" latinLnBrk="0" hangingPunct="1">
         <a:spcBef>
           <a:spcPct val="20000"/>
         </a:spcBef>
         <a:buFont typeface="Arial" pitchFamily="34" charset="0"/>
         <a:buChar char="•"/>
-        <a:defRPr sz="9100" kern="1200">
+        <a:defRPr sz="6424" kern="1200">
           <a:solidFill>
             <a:schemeClr val="tx1"/>
           </a:solidFill>
@@ -5311,13 +5315,13 @@
           <a:cs typeface="+mn-cs"/>
         </a:defRPr>
       </a:lvl6pPr>
-      <a:lvl7pPr marL="13585287" indent="-1045022" algn="l" defTabSz="4180088" rtl="0" eaLnBrk="1" latinLnBrk="0" hangingPunct="1">
+      <a:lvl7pPr marL="9590784" indent="-737753" algn="l" defTabSz="2951010" rtl="0" eaLnBrk="1" latinLnBrk="0" hangingPunct="1">
         <a:spcBef>
           <a:spcPct val="20000"/>
         </a:spcBef>
         <a:buFont typeface="Arial" pitchFamily="34" charset="0"/>
         <a:buChar char="•"/>
-        <a:defRPr sz="9100" kern="1200">
+        <a:defRPr sz="6424" kern="1200">
           <a:solidFill>
             <a:schemeClr val="tx1"/>
           </a:solidFill>
@@ -5326,13 +5330,13 @@
           <a:cs typeface="+mn-cs"/>
         </a:defRPr>
       </a:lvl7pPr>
-      <a:lvl8pPr marL="15675331" indent="-1045022" algn="l" defTabSz="4180088" rtl="0" eaLnBrk="1" latinLnBrk="0" hangingPunct="1">
+      <a:lvl8pPr marL="11066290" indent="-737753" algn="l" defTabSz="2951010" rtl="0" eaLnBrk="1" latinLnBrk="0" hangingPunct="1">
         <a:spcBef>
           <a:spcPct val="20000"/>
         </a:spcBef>
         <a:buFont typeface="Arial" pitchFamily="34" charset="0"/>
         <a:buChar char="•"/>
-        <a:defRPr sz="9100" kern="1200">
+        <a:defRPr sz="6424" kern="1200">
           <a:solidFill>
             <a:schemeClr val="tx1"/>
           </a:solidFill>
@@ -5341,13 +5345,13 @@
           <a:cs typeface="+mn-cs"/>
         </a:defRPr>
       </a:lvl8pPr>
-      <a:lvl9pPr marL="17765375" indent="-1045022" algn="l" defTabSz="4180088" rtl="0" eaLnBrk="1" latinLnBrk="0" hangingPunct="1">
+      <a:lvl9pPr marL="12541796" indent="-737753" algn="l" defTabSz="2951010" rtl="0" eaLnBrk="1" latinLnBrk="0" hangingPunct="1">
         <a:spcBef>
           <a:spcPct val="20000"/>
         </a:spcBef>
         <a:buFont typeface="Arial" pitchFamily="34" charset="0"/>
         <a:buChar char="•"/>
-        <a:defRPr sz="9100" kern="1200">
+        <a:defRPr sz="6424" kern="1200">
           <a:solidFill>
             <a:schemeClr val="tx1"/>
           </a:solidFill>
@@ -5361,8 +5365,8 @@
       <a:defPPr>
         <a:defRPr/>
       </a:defPPr>
-      <a:lvl1pPr marL="0" algn="l" defTabSz="4180088" rtl="0" eaLnBrk="1" latinLnBrk="0" hangingPunct="1">
-        <a:defRPr sz="8200" kern="1200">
+      <a:lvl1pPr marL="0" algn="l" defTabSz="2951010" rtl="0" eaLnBrk="1" latinLnBrk="0" hangingPunct="1">
+        <a:defRPr sz="5788" kern="1200">
           <a:solidFill>
             <a:schemeClr val="tx1"/>
           </a:solidFill>
@@ -5371,8 +5375,8 @@
           <a:cs typeface="+mn-cs"/>
         </a:defRPr>
       </a:lvl1pPr>
-      <a:lvl2pPr marL="2090044" algn="l" defTabSz="4180088" rtl="0" eaLnBrk="1" latinLnBrk="0" hangingPunct="1">
-        <a:defRPr sz="8200" kern="1200">
+      <a:lvl2pPr marL="1475505" algn="l" defTabSz="2951010" rtl="0" eaLnBrk="1" latinLnBrk="0" hangingPunct="1">
+        <a:defRPr sz="5788" kern="1200">
           <a:solidFill>
             <a:schemeClr val="tx1"/>
           </a:solidFill>
@@ -5381,8 +5385,8 @@
           <a:cs typeface="+mn-cs"/>
         </a:defRPr>
       </a:lvl2pPr>
-      <a:lvl3pPr marL="4180088" algn="l" defTabSz="4180088" rtl="0" eaLnBrk="1" latinLnBrk="0" hangingPunct="1">
-        <a:defRPr sz="8200" kern="1200">
+      <a:lvl3pPr marL="2951010" algn="l" defTabSz="2951010" rtl="0" eaLnBrk="1" latinLnBrk="0" hangingPunct="1">
+        <a:defRPr sz="5788" kern="1200">
           <a:solidFill>
             <a:schemeClr val="tx1"/>
           </a:solidFill>
@@ -5391,8 +5395,8 @@
           <a:cs typeface="+mn-cs"/>
         </a:defRPr>
       </a:lvl3pPr>
-      <a:lvl4pPr marL="6270132" algn="l" defTabSz="4180088" rtl="0" eaLnBrk="1" latinLnBrk="0" hangingPunct="1">
-        <a:defRPr sz="8200" kern="1200">
+      <a:lvl4pPr marL="4426516" algn="l" defTabSz="2951010" rtl="0" eaLnBrk="1" latinLnBrk="0" hangingPunct="1">
+        <a:defRPr sz="5788" kern="1200">
           <a:solidFill>
             <a:schemeClr val="tx1"/>
           </a:solidFill>
@@ -5401,8 +5405,8 @@
           <a:cs typeface="+mn-cs"/>
         </a:defRPr>
       </a:lvl4pPr>
-      <a:lvl5pPr marL="8360176" algn="l" defTabSz="4180088" rtl="0" eaLnBrk="1" latinLnBrk="0" hangingPunct="1">
-        <a:defRPr sz="8200" kern="1200">
+      <a:lvl5pPr marL="5902021" algn="l" defTabSz="2951010" rtl="0" eaLnBrk="1" latinLnBrk="0" hangingPunct="1">
+        <a:defRPr sz="5788" kern="1200">
           <a:solidFill>
             <a:schemeClr val="tx1"/>
           </a:solidFill>
@@ -5411,8 +5415,8 @@
           <a:cs typeface="+mn-cs"/>
         </a:defRPr>
       </a:lvl5pPr>
-      <a:lvl6pPr marL="10450220" algn="l" defTabSz="4180088" rtl="0" eaLnBrk="1" latinLnBrk="0" hangingPunct="1">
-        <a:defRPr sz="8200" kern="1200">
+      <a:lvl6pPr marL="7377526" algn="l" defTabSz="2951010" rtl="0" eaLnBrk="1" latinLnBrk="0" hangingPunct="1">
+        <a:defRPr sz="5788" kern="1200">
           <a:solidFill>
             <a:schemeClr val="tx1"/>
           </a:solidFill>
@@ -5421,8 +5425,8 @@
           <a:cs typeface="+mn-cs"/>
         </a:defRPr>
       </a:lvl6pPr>
-      <a:lvl7pPr marL="12540264" algn="l" defTabSz="4180088" rtl="0" eaLnBrk="1" latinLnBrk="0" hangingPunct="1">
-        <a:defRPr sz="8200" kern="1200">
+      <a:lvl7pPr marL="8853031" algn="l" defTabSz="2951010" rtl="0" eaLnBrk="1" latinLnBrk="0" hangingPunct="1">
+        <a:defRPr sz="5788" kern="1200">
           <a:solidFill>
             <a:schemeClr val="tx1"/>
           </a:solidFill>
@@ -5431,8 +5435,8 @@
           <a:cs typeface="+mn-cs"/>
         </a:defRPr>
       </a:lvl7pPr>
-      <a:lvl8pPr marL="14630309" algn="l" defTabSz="4180088" rtl="0" eaLnBrk="1" latinLnBrk="0" hangingPunct="1">
-        <a:defRPr sz="8200" kern="1200">
+      <a:lvl8pPr marL="10328538" algn="l" defTabSz="2951010" rtl="0" eaLnBrk="1" latinLnBrk="0" hangingPunct="1">
+        <a:defRPr sz="5788" kern="1200">
           <a:solidFill>
             <a:schemeClr val="tx1"/>
           </a:solidFill>
@@ -5441,8 +5445,8 @@
           <a:cs typeface="+mn-cs"/>
         </a:defRPr>
       </a:lvl8pPr>
-      <a:lvl9pPr marL="16720353" algn="l" defTabSz="4180088" rtl="0" eaLnBrk="1" latinLnBrk="0" hangingPunct="1">
-        <a:defRPr sz="8200" kern="1200">
+      <a:lvl9pPr marL="11804043" algn="l" defTabSz="2951010" rtl="0" eaLnBrk="1" latinLnBrk="0" hangingPunct="1">
+        <a:defRPr sz="5788" kern="1200">
           <a:solidFill>
             <a:schemeClr val="tx1"/>
           </a:solidFill>
@@ -5490,7 +5494,7 @@
         <p:spPr>
           <a:xfrm>
             <a:off x="0" y="0"/>
-            <a:ext cx="42062400" cy="4978400"/>
+            <a:ext cx="32918400" cy="3514165"/>
           </a:xfrm>
           <a:prstGeom prst="rect">
             <a:avLst/>
@@ -5524,7 +5528,7 @@
             <a:pPr algn="ctr">
               <a:defRPr/>
             </a:pPr>
-            <a:endParaRPr lang="en-US" dirty="0">
+            <a:endParaRPr lang="en-US" sz="1271" dirty="0">
               <a:highlight>
                 <a:srgbClr val="FFFF00"/>
               </a:highlight>
@@ -5542,8 +5546,8 @@
         </p:nvSpPr>
         <p:spPr bwMode="auto">
           <a:xfrm>
-            <a:off x="13528675" y="18500725"/>
-            <a:ext cx="185738" cy="460375"/>
+            <a:off x="11163304" y="13059336"/>
+            <a:ext cx="184731" cy="287899"/>
           </a:xfrm>
           <a:prstGeom prst="rect">
             <a:avLst/>
@@ -5563,7 +5567,7 @@
           <a:lstStyle/>
           <a:p>
             <a:pPr eaLnBrk="1" hangingPunct="1"/>
-            <a:endParaRPr lang="en-US"/>
+            <a:endParaRPr lang="en-US" sz="1271"/>
           </a:p>
         </p:txBody>
       </p:sp>
@@ -5584,8 +5588,8 @@
         </p:blipFill>
         <p:spPr bwMode="auto">
           <a:xfrm>
-            <a:off x="417378" y="200025"/>
-            <a:ext cx="7632700" cy="4578350"/>
+            <a:off x="145777" y="141194"/>
+            <a:ext cx="5387788" cy="3231776"/>
           </a:xfrm>
           <a:prstGeom prst="rect">
             <a:avLst/>
@@ -5608,8 +5612,8 @@
           <p:nvPr/>
         </p:nvGraphicFramePr>
         <p:xfrm>
-          <a:off x="20974050" y="15462250"/>
-          <a:ext cx="114300" cy="165100"/>
+          <a:off x="16418859" y="10914530"/>
+          <a:ext cx="80682" cy="116541"/>
         </p:xfrm>
         <a:graphic>
           <a:graphicData uri="http://schemas.openxmlformats.org/presentationml/2006/ole">
@@ -5645,8 +5649,8 @@
                     </p:blipFill>
                     <p:spPr bwMode="auto">
                       <a:xfrm>
-                        <a:off x="20974050" y="15462250"/>
-                        <a:ext cx="114300" cy="165100"/>
+                        <a:off x="16418859" y="10914530"/>
+                        <a:ext cx="80682" cy="116541"/>
                       </a:xfrm>
                       <a:prstGeom prst="rect">
                         <a:avLst/>
@@ -5654,7 +5658,7 @@
                       <a:noFill/>
                       <a:extLst>
                         <a:ext uri="{909E8E84-426E-40dd-AFC4-6F175D3DCCD1}">
-                          <a14:hiddenFill xmlns="" xmlns:a14="http://schemas.microsoft.com/office/drawing/2010/main">
+                          <a14:hiddenFill xmlns:a14="http://schemas.microsoft.com/office/drawing/2010/main" xmlns="">
                             <a:solidFill>
                               <a:srgbClr val="FFFFFF"/>
                             </a:solidFill>
@@ -5677,8 +5681,8 @@
         </p:nvSpPr>
         <p:spPr>
           <a:xfrm>
-            <a:off x="20277156" y="28956986"/>
-            <a:ext cx="184666" cy="461665"/>
+            <a:off x="15926936" y="20440226"/>
+            <a:ext cx="184731" cy="287899"/>
           </a:xfrm>
           <a:prstGeom prst="rect">
             <a:avLst/>
@@ -5691,7 +5695,7 @@
           </a:bodyPr>
           <a:lstStyle/>
           <a:p>
-            <a:endParaRPr lang="en-US" dirty="0"/>
+            <a:endParaRPr lang="en-US" sz="1271" dirty="0"/>
           </a:p>
         </p:txBody>
       </p:sp>
@@ -5703,8 +5707,8 @@
         </p:nvSpPr>
         <p:spPr>
           <a:xfrm>
-            <a:off x="25177898" y="19329991"/>
-            <a:ext cx="3551274" cy="467832"/>
+            <a:off x="19386284" y="13644700"/>
+            <a:ext cx="2506782" cy="330234"/>
           </a:xfrm>
           <a:prstGeom prst="rect">
             <a:avLst/>
@@ -5738,7 +5742,7 @@
           <a:lstStyle/>
           <a:p>
             <a:pPr algn="ctr"/>
-            <a:endParaRPr lang="en-US"/>
+            <a:endParaRPr lang="en-US" sz="1271"/>
           </a:p>
         </p:txBody>
       </p:sp>
@@ -5750,8 +5754,8 @@
         </p:nvSpPr>
         <p:spPr>
           <a:xfrm>
-            <a:off x="30433926" y="19329991"/>
-            <a:ext cx="3551274" cy="467832"/>
+            <a:off x="23096420" y="13644700"/>
+            <a:ext cx="2506782" cy="330234"/>
           </a:xfrm>
           <a:prstGeom prst="rect">
             <a:avLst/>
@@ -5785,7 +5789,7 @@
           <a:lstStyle/>
           <a:p>
             <a:pPr algn="ctr"/>
-            <a:endParaRPr lang="en-US"/>
+            <a:endParaRPr lang="en-US" sz="1271"/>
           </a:p>
         </p:txBody>
       </p:sp>
@@ -5797,8 +5801,8 @@
         </p:nvSpPr>
         <p:spPr>
           <a:xfrm>
-            <a:off x="39446790" y="19329991"/>
-            <a:ext cx="1318851" cy="467832"/>
+            <a:off x="29458440" y="13644700"/>
+            <a:ext cx="930954" cy="330234"/>
           </a:xfrm>
           <a:prstGeom prst="rect">
             <a:avLst/>
@@ -5832,7 +5836,7 @@
           <a:lstStyle/>
           <a:p>
             <a:pPr algn="ctr"/>
-            <a:endParaRPr lang="en-US"/>
+            <a:endParaRPr lang="en-US" sz="1271"/>
           </a:p>
         </p:txBody>
       </p:sp>
@@ -5844,8 +5848,8 @@
         </p:nvSpPr>
         <p:spPr>
           <a:xfrm>
-            <a:off x="34195872" y="19329991"/>
-            <a:ext cx="1318851" cy="467832"/>
+            <a:off x="25751910" y="13644700"/>
+            <a:ext cx="930954" cy="330234"/>
           </a:xfrm>
           <a:prstGeom prst="rect">
             <a:avLst/>
@@ -5879,7 +5883,7 @@
           <a:lstStyle/>
           <a:p>
             <a:pPr algn="ctr"/>
-            <a:endParaRPr lang="en-US"/>
+            <a:endParaRPr lang="en-US" sz="1271"/>
           </a:p>
         </p:txBody>
       </p:sp>
@@ -5891,8 +5895,8 @@
         </p:nvSpPr>
         <p:spPr>
           <a:xfrm>
-            <a:off x="28945944" y="19329991"/>
-            <a:ext cx="1318851" cy="467832"/>
+            <a:off x="22046078" y="13644700"/>
+            <a:ext cx="930954" cy="330234"/>
           </a:xfrm>
           <a:prstGeom prst="rect">
             <a:avLst/>
@@ -5926,7 +5930,7 @@
           <a:lstStyle/>
           <a:p>
             <a:pPr algn="ctr"/>
-            <a:endParaRPr lang="en-US"/>
+            <a:endParaRPr lang="en-US" sz="1271"/>
           </a:p>
         </p:txBody>
       </p:sp>
@@ -5940,8 +5944,8 @@
         </p:nvSpPr>
         <p:spPr bwMode="auto">
           <a:xfrm>
-            <a:off x="14014451" y="28688809"/>
-            <a:ext cx="27490298" cy="2139047"/>
+            <a:off x="12190608" y="20662472"/>
+            <a:ext cx="19404916" cy="610167"/>
           </a:xfrm>
           <a:prstGeom prst="rect">
             <a:avLst/>
@@ -5962,28 +5966,42 @@
           <a:p>
             <a:pPr eaLnBrk="1" hangingPunct="1"/>
             <a:r>
-              <a:rPr lang="en-GB" b="1" dirty="0">
+              <a:rPr lang="en-GB" sz="1400" b="1" dirty="0">
                 <a:latin typeface="Arial" panose="020B0604020202020204" pitchFamily="34" charset="0"/>
                 <a:cs typeface="Arial" pitchFamily="34" charset="0"/>
               </a:rPr>
               <a:t>Acknowledgements:</a:t>
             </a:r>
             <a:r>
-              <a:rPr lang="en-CA" b="1" dirty="0">
+              <a:rPr lang="en-CA" sz="1400" b="1" dirty="0">
                 <a:latin typeface="Arial" panose="020B0604020202020204" pitchFamily="34" charset="0"/>
                 <a:cs typeface="Arial" pitchFamily="34" charset="0"/>
               </a:rPr>
               <a:t> </a:t>
             </a:r>
             <a:r>
-              <a:rPr lang="en-CA" dirty="0">
+              <a:rPr lang="en-CA" sz="1400" dirty="0">
                 <a:latin typeface="Arial" panose="020B0604020202020204" pitchFamily="34" charset="0"/>
                 <a:cs typeface="Arial" pitchFamily="34" charset="0"/>
               </a:rPr>
-              <a:t>This project was funded under the Summer Institutes in Biostatistics (SIBS) program of the National Heart, Lung, and Blood Institute grant # R25HL161788, with additional support from the Keck School of Medicine of USC, USC Norris Comprehensive Cancer Center grant # P30CA014089 </a:t>
-            </a:r>
-            <a:r>
-              <a:rPr lang="en-US" dirty="0">
+              <a:t>This project was funded under the Summer Institutes in Biostatistics (SIBS) program of the National Heart, Lung, and Blood Institute and the </a:t>
+            </a:r>
+            <a:r>
+              <a:rPr lang="en-US" sz="1400" dirty="0">
+                <a:latin typeface="Arial" panose="020B0604020202020204" pitchFamily="34" charset="0"/>
+                <a:cs typeface="Arial" pitchFamily="34" charset="0"/>
+              </a:rPr>
+              <a:t>Institute of Allergy and Infectious Diseases </a:t>
+            </a:r>
+            <a:r>
+              <a:rPr lang="en-CA" sz="1400" dirty="0">
+                <a:latin typeface="Arial" panose="020B0604020202020204" pitchFamily="34" charset="0"/>
+                <a:cs typeface="Arial" pitchFamily="34" charset="0"/>
+              </a:rPr>
+              <a:t>grant R25 HL161788, with additional support from the Dean of the Keck School of Medicine of USC, USC Norris Comprehensive Cancer Center grant # P30CA014089 </a:t>
+            </a:r>
+            <a:r>
+              <a:rPr lang="en-US" sz="1400" dirty="0">
                 <a:latin typeface="Arial" pitchFamily="34" charset="0"/>
                 <a:cs typeface="Arial" pitchFamily="34" charset="0"/>
               </a:rPr>
@@ -5991,36 +6009,8 @@
             </a:r>
           </a:p>
           <a:p>
-            <a:pPr algn="ctr" eaLnBrk="1" hangingPunct="1"/>
-            <a:endParaRPr lang="en-US" dirty="0">
-              <a:latin typeface="Arial" pitchFamily="34" charset="0"/>
-              <a:cs typeface="Arial" pitchFamily="34" charset="0"/>
-            </a:endParaRPr>
-          </a:p>
-          <a:p>
-            <a:pPr eaLnBrk="1" hangingPunct="1"/>
-            <a:r>
-              <a:rPr lang="en-US" b="1" dirty="0">
-                <a:latin typeface="Arial" panose="020B0604020202020204" pitchFamily="34" charset="0"/>
-                <a:cs typeface="Arial" pitchFamily="34" charset="0"/>
-              </a:rPr>
-              <a:t>Disclaimer: </a:t>
-            </a:r>
-            <a:r>
-              <a:rPr lang="en-US" dirty="0">
-                <a:latin typeface="Arial" panose="020B0604020202020204" pitchFamily="34" charset="0"/>
-                <a:cs typeface="Arial" pitchFamily="34" charset="0"/>
-              </a:rPr>
-              <a:t>Note that the results on this poster are based on a dataset that includes only a non-representative sample from the actual Southern California Children’s Health Study. Hence, it is solely intended for instructional purposes and should not be used to draw definitive (and substantively meaningful) conclusions about actual study objectives. </a:t>
-            </a:r>
-            <a:endParaRPr lang="en-GB" dirty="0">
-              <a:latin typeface="Arial" panose="020B0604020202020204" pitchFamily="34" charset="0"/>
-              <a:cs typeface="Arial" pitchFamily="34" charset="0"/>
-            </a:endParaRPr>
-          </a:p>
-          <a:p>
-            <a:pPr marL="479425" eaLnBrk="1" hangingPunct="1"/>
-            <a:endParaRPr lang="en-US" sz="800" b="1" dirty="0">
+            <a:pPr marL="338459" eaLnBrk="1" hangingPunct="1"/>
+            <a:endParaRPr lang="en-US" sz="565" b="1" dirty="0">
               <a:latin typeface="Arial" pitchFamily="34" charset="0"/>
             </a:endParaRPr>
           </a:p>
@@ -6040,8 +6030,8 @@
         </p:nvGrpSpPr>
         <p:grpSpPr>
           <a:xfrm>
-            <a:off x="514106" y="17413963"/>
-            <a:ext cx="13200307" cy="13230135"/>
+            <a:off x="346967" y="12292211"/>
+            <a:ext cx="10785601" cy="9338919"/>
             <a:chOff x="514106" y="17413963"/>
             <a:chExt cx="13200307" cy="13230135"/>
           </a:xfrm>
@@ -6098,7 +6088,7 @@
             <a:lstStyle/>
             <a:p>
               <a:pPr algn="ctr"/>
-              <a:endParaRPr lang="en-US" dirty="0">
+              <a:endParaRPr lang="en-US" sz="1271" dirty="0">
                 <a:solidFill>
                   <a:schemeClr val="tx1"/>
                 </a:solidFill>
@@ -6163,159 +6153,12 @@
             <a:p>
               <a:pPr algn="ctr"/>
               <a:r>
-                <a:rPr lang="en-US" sz="3200" b="1" dirty="0">
+                <a:rPr lang="en-US" sz="2259" b="1" dirty="0">
                   <a:solidFill>
                     <a:schemeClr val="tx1"/>
                   </a:solidFill>
                 </a:rPr>
                 <a:t>METHODS</a:t>
-              </a:r>
-            </a:p>
-          </p:txBody>
-        </p:sp>
-      </p:grpSp>
-      <p:grpSp>
-        <p:nvGrpSpPr>
-          <p:cNvPr id="41" name="Group 40">
-            <a:extLst>
-              <a:ext uri="{FF2B5EF4-FFF2-40B4-BE49-F238E27FC236}">
-                <a16:creationId xmlns:a16="http://schemas.microsoft.com/office/drawing/2014/main" id="{5D8F7295-9E99-5D45-8DD8-93BA2B29AA57}"/>
-              </a:ext>
-            </a:extLst>
-          </p:cNvPr>
-          <p:cNvGrpSpPr/>
-          <p:nvPr/>
-        </p:nvGrpSpPr>
-        <p:grpSpPr>
-          <a:xfrm>
-            <a:off x="512514" y="11352157"/>
-            <a:ext cx="13200307" cy="5612076"/>
-            <a:chOff x="514106" y="5334223"/>
-            <a:chExt cx="12085998" cy="5612076"/>
-          </a:xfrm>
-        </p:grpSpPr>
-        <p:sp>
-          <p:nvSpPr>
-            <p:cNvPr id="42" name="Rounded Rectangle 41">
-              <a:extLst>
-                <a:ext uri="{FF2B5EF4-FFF2-40B4-BE49-F238E27FC236}">
-                  <a16:creationId xmlns:a16="http://schemas.microsoft.com/office/drawing/2014/main" id="{D310E245-F756-E744-A576-4E8289B1BC8A}"/>
-                </a:ext>
-              </a:extLst>
-            </p:cNvPr>
-            <p:cNvSpPr/>
-            <p:nvPr/>
-          </p:nvSpPr>
-          <p:spPr>
-            <a:xfrm>
-              <a:off x="514106" y="5334223"/>
-              <a:ext cx="12085996" cy="5612076"/>
-            </a:xfrm>
-            <a:prstGeom prst="roundRect">
-              <a:avLst>
-                <a:gd name="adj" fmla="val 15063"/>
-              </a:avLst>
-            </a:prstGeom>
-            <a:noFill/>
-            <a:ln>
-              <a:solidFill>
-                <a:schemeClr val="bg1">
-                  <a:lumMod val="75000"/>
-                </a:schemeClr>
-              </a:solidFill>
-            </a:ln>
-            <a:effectLst/>
-          </p:spPr>
-          <p:style>
-            <a:lnRef idx="1">
-              <a:schemeClr val="accent1"/>
-            </a:lnRef>
-            <a:fillRef idx="3">
-              <a:schemeClr val="accent1"/>
-            </a:fillRef>
-            <a:effectRef idx="2">
-              <a:schemeClr val="accent1"/>
-            </a:effectRef>
-            <a:fontRef idx="minor">
-              <a:schemeClr val="lt1"/>
-            </a:fontRef>
-          </p:style>
-          <p:txBody>
-            <a:bodyPr rtlCol="0" anchor="ctr"/>
-            <a:lstStyle/>
-            <a:p>
-              <a:pPr algn="ctr"/>
-              <a:endParaRPr lang="en-US" dirty="0">
-                <a:solidFill>
-                  <a:schemeClr val="tx1"/>
-                </a:solidFill>
-              </a:endParaRPr>
-            </a:p>
-          </p:txBody>
-        </p:sp>
-        <p:sp>
-          <p:nvSpPr>
-            <p:cNvPr id="43" name="Round Same Side Corner Rectangle 42">
-              <a:extLst>
-                <a:ext uri="{FF2B5EF4-FFF2-40B4-BE49-F238E27FC236}">
-                  <a16:creationId xmlns:a16="http://schemas.microsoft.com/office/drawing/2014/main" id="{B3C42C9D-0218-8D4B-B7AF-349A11238F67}"/>
-                </a:ext>
-              </a:extLst>
-            </p:cNvPr>
-            <p:cNvSpPr/>
-            <p:nvPr/>
-          </p:nvSpPr>
-          <p:spPr>
-            <a:xfrm>
-              <a:off x="514107" y="5334223"/>
-              <a:ext cx="12085997" cy="1414920"/>
-            </a:xfrm>
-            <a:prstGeom prst="round2SameRect">
-              <a:avLst>
-                <a:gd name="adj1" fmla="val 50000"/>
-                <a:gd name="adj2" fmla="val 0"/>
-              </a:avLst>
-            </a:prstGeom>
-            <a:solidFill>
-              <a:schemeClr val="bg1">
-                <a:lumMod val="95000"/>
-              </a:schemeClr>
-            </a:solidFill>
-            <a:ln>
-              <a:solidFill>
-                <a:schemeClr val="bg1">
-                  <a:lumMod val="85000"/>
-                </a:schemeClr>
-              </a:solidFill>
-            </a:ln>
-            <a:effectLst/>
-          </p:spPr>
-          <p:style>
-            <a:lnRef idx="1">
-              <a:schemeClr val="accent1"/>
-            </a:lnRef>
-            <a:fillRef idx="3">
-              <a:schemeClr val="accent1"/>
-            </a:fillRef>
-            <a:effectRef idx="2">
-              <a:schemeClr val="accent1"/>
-            </a:effectRef>
-            <a:fontRef idx="minor">
-              <a:schemeClr val="lt1"/>
-            </a:fontRef>
-          </p:style>
-          <p:txBody>
-            <a:bodyPr rtlCol="0" anchor="ctr"/>
-            <a:lstStyle/>
-            <a:p>
-              <a:pPr algn="ctr"/>
-              <a:r>
-                <a:rPr lang="en-US" sz="3200" b="1" dirty="0">
-                  <a:solidFill>
-                    <a:schemeClr val="tx1"/>
-                  </a:solidFill>
-                </a:rPr>
-                <a:t>OBJECTIVES</a:t>
               </a:r>
             </a:p>
           </p:txBody>
@@ -6335,8 +6178,8 @@
         </p:nvGrpSpPr>
         <p:grpSpPr>
           <a:xfrm>
-            <a:off x="557649" y="5337469"/>
-            <a:ext cx="13200307" cy="5612076"/>
+            <a:off x="346968" y="3690426"/>
+            <a:ext cx="10664747" cy="3961465"/>
             <a:chOff x="514106" y="5334223"/>
             <a:chExt cx="12085998" cy="5612076"/>
           </a:xfrm>
@@ -6392,7 +6235,7 @@
             <a:lstStyle/>
             <a:p>
               <a:pPr algn="ctr"/>
-              <a:endParaRPr lang="en-US" dirty="0">
+              <a:endParaRPr lang="en-US" sz="1271" dirty="0">
                 <a:solidFill>
                   <a:schemeClr val="tx1"/>
                 </a:solidFill>
@@ -6457,7 +6300,7 @@
             <a:p>
               <a:pPr algn="ctr"/>
               <a:r>
-                <a:rPr lang="en-US" sz="3200" b="1" dirty="0">
+                <a:rPr lang="en-US" sz="2259" b="1" dirty="0">
                   <a:solidFill>
                     <a:schemeClr val="tx1"/>
                   </a:solidFill>
@@ -6482,8 +6325,8 @@
         </p:nvGrpSpPr>
         <p:grpSpPr>
           <a:xfrm>
-            <a:off x="14503150" y="7281028"/>
-            <a:ext cx="13200307" cy="18942232"/>
+            <a:off x="11317338" y="5163313"/>
+            <a:ext cx="10373878" cy="14989805"/>
             <a:chOff x="514106" y="17413963"/>
             <a:chExt cx="13200307" cy="13230135"/>
           </a:xfrm>
@@ -6539,7 +6382,7 @@
             <a:lstStyle/>
             <a:p>
               <a:pPr algn="ctr"/>
-              <a:endParaRPr lang="en-US" dirty="0">
+              <a:endParaRPr lang="en-US" sz="1271" dirty="0">
                 <a:solidFill>
                   <a:schemeClr val="tx1"/>
                 </a:solidFill>
@@ -6604,7 +6447,7 @@
             <a:p>
               <a:pPr algn="ctr"/>
               <a:r>
-                <a:rPr lang="en-US" sz="3200" b="1" dirty="0">
+                <a:rPr lang="en-US" sz="2259" b="1" dirty="0">
                   <a:solidFill>
                     <a:schemeClr val="tx1"/>
                   </a:solidFill>
@@ -6629,8 +6472,8 @@
         </p:nvGrpSpPr>
         <p:grpSpPr>
           <a:xfrm>
-            <a:off x="28405113" y="22075738"/>
-            <a:ext cx="13200307" cy="5612076"/>
+            <a:off x="21941745" y="15131249"/>
+            <a:ext cx="10629685" cy="5021869"/>
             <a:chOff x="514106" y="5334223"/>
             <a:chExt cx="12085998" cy="5612076"/>
           </a:xfrm>
@@ -6686,7 +6529,7 @@
             <a:lstStyle/>
             <a:p>
               <a:pPr algn="ctr"/>
-              <a:endParaRPr lang="en-US" dirty="0">
+              <a:endParaRPr lang="en-US" sz="1271" dirty="0">
                 <a:solidFill>
                   <a:schemeClr val="tx1"/>
                 </a:solidFill>
@@ -6751,7 +6594,7 @@
             <a:p>
               <a:pPr algn="ctr"/>
               <a:r>
-                <a:rPr lang="en-US" sz="3200" b="1" dirty="0">
+                <a:rPr lang="en-US" sz="2259" b="1" dirty="0">
                   <a:solidFill>
                     <a:schemeClr val="tx1"/>
                   </a:solidFill>
@@ -6776,8 +6619,8 @@
         </p:nvGrpSpPr>
         <p:grpSpPr>
           <a:xfrm>
-            <a:off x="28405113" y="5712695"/>
-            <a:ext cx="13243846" cy="15310834"/>
+            <a:off x="21906683" y="4032492"/>
+            <a:ext cx="10664747" cy="10807648"/>
             <a:chOff x="514106" y="5334223"/>
             <a:chExt cx="12125862" cy="5612076"/>
           </a:xfrm>
@@ -6833,7 +6676,7 @@
             <a:lstStyle/>
             <a:p>
               <a:pPr algn="ctr"/>
-              <a:endParaRPr lang="en-US" dirty="0">
+              <a:endParaRPr lang="en-US" sz="1271" dirty="0">
                 <a:solidFill>
                   <a:schemeClr val="tx1"/>
                 </a:solidFill>
@@ -6898,7 +6741,7 @@
             <a:p>
               <a:pPr algn="ctr"/>
               <a:r>
-                <a:rPr lang="en-US" sz="3200" b="1" dirty="0">
+                <a:rPr lang="en-US" sz="2259" b="1" dirty="0">
                   <a:solidFill>
                     <a:schemeClr val="tx1"/>
                   </a:solidFill>
@@ -6925,8 +6768,8 @@
         </p:nvSpPr>
         <p:spPr bwMode="auto">
           <a:xfrm>
-            <a:off x="5759731" y="1208002"/>
-            <a:ext cx="31594425" cy="2780248"/>
+            <a:off x="5679342" y="852707"/>
+            <a:ext cx="22301947" cy="1989712"/>
           </a:xfrm>
           <a:prstGeom prst="rect">
             <a:avLst/>
@@ -6947,7 +6790,7 @@
           <a:p>
             <a:pPr algn="ctr" eaLnBrk="1" hangingPunct="1"/>
             <a:r>
-              <a:rPr lang="en-US" sz="6000" b="1" dirty="0">
+              <a:rPr lang="en-US" sz="4235" b="1" dirty="0">
                 <a:solidFill>
                   <a:schemeClr val="bg1"/>
                 </a:solidFill>
@@ -6960,7 +6803,7 @@
           <a:p>
             <a:pPr algn="ctr" eaLnBrk="1" hangingPunct="1"/>
             <a:r>
-              <a:rPr lang="en-US" sz="4800" b="1" dirty="0">
+              <a:rPr lang="en-US" sz="3388" b="1" dirty="0">
                 <a:solidFill>
                   <a:schemeClr val="bg1"/>
                 </a:solidFill>
@@ -6968,7 +6811,7 @@
               </a:rPr>
               <a:t>Author List</a:t>
             </a:r>
-            <a:endParaRPr lang="en-US" sz="4800" b="1" baseline="30000" dirty="0">
+            <a:endParaRPr lang="en-US" sz="3388" b="1" baseline="30000" dirty="0">
               <a:solidFill>
                 <a:schemeClr val="bg1"/>
               </a:solidFill>
@@ -6977,7 +6820,7 @@
           </a:p>
           <a:p>
             <a:pPr algn="ctr" eaLnBrk="1" hangingPunct="1"/>
-            <a:endParaRPr lang="en-US" sz="4000" b="1" baseline="30000" dirty="0">
+            <a:endParaRPr lang="en-US" sz="2824" b="1" baseline="30000" dirty="0">
               <a:solidFill>
                 <a:schemeClr val="bg1"/>
               </a:solidFill>
@@ -6987,7 +6830,7 @@
           <a:p>
             <a:pPr algn="ctr" eaLnBrk="1" hangingPunct="1"/>
             <a:r>
-              <a:rPr lang="en-US" sz="4000" b="1" dirty="0">
+              <a:rPr lang="en-US" sz="2824" b="1" dirty="0">
                 <a:solidFill>
                   <a:schemeClr val="bg1"/>
                 </a:solidFill>
@@ -6995,7 +6838,7 @@
               </a:rPr>
               <a:t>Keck School of Medicine of USC, University of Southern California, Los Angeles, CA</a:t>
             </a:r>
-            <a:endParaRPr lang="en-US" sz="4000" b="1" dirty="0">
+            <a:endParaRPr lang="en-US" sz="2824" b="1" dirty="0">
               <a:solidFill>
                 <a:schemeClr val="bg1"/>
               </a:solidFill>
@@ -7005,12 +6848,159 @@
           </a:p>
         </p:txBody>
       </p:sp>
+      <p:grpSp>
+        <p:nvGrpSpPr>
+          <p:cNvPr id="3" name="Group 2">
+            <a:extLst>
+              <a:ext uri="{FF2B5EF4-FFF2-40B4-BE49-F238E27FC236}">
+                <a16:creationId xmlns:a16="http://schemas.microsoft.com/office/drawing/2014/main" id="{93CC659A-E6D4-B30C-1D0F-6CF7523C15B0}"/>
+              </a:ext>
+            </a:extLst>
+          </p:cNvPr>
+          <p:cNvGrpSpPr/>
+          <p:nvPr/>
+        </p:nvGrpSpPr>
+        <p:grpSpPr>
+          <a:xfrm>
+            <a:off x="326965" y="7982122"/>
+            <a:ext cx="10664747" cy="3961465"/>
+            <a:chOff x="514106" y="5334223"/>
+            <a:chExt cx="12085998" cy="5612076"/>
+          </a:xfrm>
+        </p:grpSpPr>
+        <p:sp>
+          <p:nvSpPr>
+            <p:cNvPr id="5" name="Rounded Rectangle 4">
+              <a:extLst>
+                <a:ext uri="{FF2B5EF4-FFF2-40B4-BE49-F238E27FC236}">
+                  <a16:creationId xmlns:a16="http://schemas.microsoft.com/office/drawing/2014/main" id="{3DF1AD23-F8CD-6617-8376-EA5882FE1C92}"/>
+                </a:ext>
+              </a:extLst>
+            </p:cNvPr>
+            <p:cNvSpPr/>
+            <p:nvPr/>
+          </p:nvSpPr>
+          <p:spPr>
+            <a:xfrm>
+              <a:off x="514106" y="5334223"/>
+              <a:ext cx="12085996" cy="5612076"/>
+            </a:xfrm>
+            <a:prstGeom prst="roundRect">
+              <a:avLst>
+                <a:gd name="adj" fmla="val 15063"/>
+              </a:avLst>
+            </a:prstGeom>
+            <a:noFill/>
+            <a:ln>
+              <a:solidFill>
+                <a:schemeClr val="bg1">
+                  <a:lumMod val="75000"/>
+                </a:schemeClr>
+              </a:solidFill>
+            </a:ln>
+            <a:effectLst/>
+          </p:spPr>
+          <p:style>
+            <a:lnRef idx="1">
+              <a:schemeClr val="accent1"/>
+            </a:lnRef>
+            <a:fillRef idx="3">
+              <a:schemeClr val="accent1"/>
+            </a:fillRef>
+            <a:effectRef idx="2">
+              <a:schemeClr val="accent1"/>
+            </a:effectRef>
+            <a:fontRef idx="minor">
+              <a:schemeClr val="lt1"/>
+            </a:fontRef>
+          </p:style>
+          <p:txBody>
+            <a:bodyPr rtlCol="0" anchor="ctr"/>
+            <a:lstStyle/>
+            <a:p>
+              <a:pPr algn="ctr"/>
+              <a:endParaRPr lang="en-US" sz="1271" dirty="0">
+                <a:solidFill>
+                  <a:schemeClr val="tx1"/>
+                </a:solidFill>
+              </a:endParaRPr>
+            </a:p>
+          </p:txBody>
+        </p:sp>
+        <p:sp>
+          <p:nvSpPr>
+            <p:cNvPr id="6" name="Round Same Side Corner Rectangle 5">
+              <a:extLst>
+                <a:ext uri="{FF2B5EF4-FFF2-40B4-BE49-F238E27FC236}">
+                  <a16:creationId xmlns:a16="http://schemas.microsoft.com/office/drawing/2014/main" id="{60DFF5DB-14B0-1A4A-679B-30C4948A47EA}"/>
+                </a:ext>
+              </a:extLst>
+            </p:cNvPr>
+            <p:cNvSpPr/>
+            <p:nvPr/>
+          </p:nvSpPr>
+          <p:spPr>
+            <a:xfrm>
+              <a:off x="514107" y="5334223"/>
+              <a:ext cx="12085997" cy="1414920"/>
+            </a:xfrm>
+            <a:prstGeom prst="round2SameRect">
+              <a:avLst>
+                <a:gd name="adj1" fmla="val 50000"/>
+                <a:gd name="adj2" fmla="val 0"/>
+              </a:avLst>
+            </a:prstGeom>
+            <a:solidFill>
+              <a:schemeClr val="bg1">
+                <a:lumMod val="95000"/>
+              </a:schemeClr>
+            </a:solidFill>
+            <a:ln>
+              <a:solidFill>
+                <a:schemeClr val="bg1">
+                  <a:lumMod val="85000"/>
+                </a:schemeClr>
+              </a:solidFill>
+            </a:ln>
+            <a:effectLst/>
+          </p:spPr>
+          <p:style>
+            <a:lnRef idx="1">
+              <a:schemeClr val="accent1"/>
+            </a:lnRef>
+            <a:fillRef idx="3">
+              <a:schemeClr val="accent1"/>
+            </a:fillRef>
+            <a:effectRef idx="2">
+              <a:schemeClr val="accent1"/>
+            </a:effectRef>
+            <a:fontRef idx="minor">
+              <a:schemeClr val="lt1"/>
+            </a:fontRef>
+          </p:style>
+          <p:txBody>
+            <a:bodyPr rtlCol="0" anchor="ctr"/>
+            <a:lstStyle/>
+            <a:p>
+              <a:pPr algn="ctr"/>
+              <a:r>
+                <a:rPr lang="en-US" sz="2259" b="1" dirty="0">
+                  <a:solidFill>
+                    <a:schemeClr val="tx1"/>
+                  </a:solidFill>
+                </a:rPr>
+                <a:t>OBJECTIVES</a:t>
+              </a:r>
+            </a:p>
+          </p:txBody>
+        </p:sp>
+      </p:grpSp>
       <p:pic>
         <p:nvPicPr>
-          <p:cNvPr id="5" name="Picture 4" descr="A black and red text&#10;&#10;Description automatically generated with low confidence">
+          <p:cNvPr id="7" name="Picture 6" descr="A black and red text&#10;&#10;Description automatically generated with low confidence">
             <a:extLst>
               <a:ext uri="{FF2B5EF4-FFF2-40B4-BE49-F238E27FC236}">
-                <a16:creationId xmlns:a16="http://schemas.microsoft.com/office/drawing/2014/main" id="{AF186EF3-615D-C93B-D258-C95B050F1E06}"/>
+                <a16:creationId xmlns:a16="http://schemas.microsoft.com/office/drawing/2014/main" id="{00FFF8BB-2960-0E00-AF54-51D16512AF0A}"/>
               </a:ext>
             </a:extLst>
           </p:cNvPr>
@@ -7027,8 +7017,8 @@
         </p:blipFill>
         <p:spPr>
           <a:xfrm>
-            <a:off x="36669984" y="213618"/>
-            <a:ext cx="5211526" cy="4578350"/>
+            <a:off x="29489972" y="404545"/>
+            <a:ext cx="3077928" cy="2703974"/>
           </a:xfrm>
           <a:prstGeom prst="rect">
             <a:avLst/>

--- a/google-drive/week03/1Mon/2_LAsBeST TEMPLATE.pptx
+++ b/google-drive/week03/1Mon/2_LAsBeST TEMPLATE.pptx
@@ -5658,7 +5658,7 @@
                       <a:noFill/>
                       <a:extLst>
                         <a:ext uri="{909E8E84-426E-40dd-AFC4-6F175D3DCCD1}">
-                          <a14:hiddenFill xmlns:a14="http://schemas.microsoft.com/office/drawing/2010/main" xmlns="">
+                          <a14:hiddenFill xmlns="" xmlns:a14="http://schemas.microsoft.com/office/drawing/2010/main">
                             <a:solidFill>
                               <a:srgbClr val="FFFFFF"/>
                             </a:solidFill>
@@ -5944,8 +5944,8 @@
         </p:nvSpPr>
         <p:spPr bwMode="auto">
           <a:xfrm>
-            <a:off x="12190608" y="20662472"/>
-            <a:ext cx="19404916" cy="610167"/>
+            <a:off x="11532765" y="20662472"/>
+            <a:ext cx="20403501" cy="1046440"/>
           </a:xfrm>
           <a:prstGeom prst="rect">
             <a:avLst/>
@@ -5966,42 +5966,42 @@
           <a:p>
             <a:pPr eaLnBrk="1" hangingPunct="1"/>
             <a:r>
-              <a:rPr lang="en-GB" sz="1400" b="1" dirty="0">
+              <a:rPr lang="en-GB" b="1" dirty="0">
                 <a:latin typeface="Arial" panose="020B0604020202020204" pitchFamily="34" charset="0"/>
                 <a:cs typeface="Arial" pitchFamily="34" charset="0"/>
               </a:rPr>
               <a:t>Acknowledgements:</a:t>
             </a:r>
             <a:r>
-              <a:rPr lang="en-CA" sz="1400" b="1" dirty="0">
+              <a:rPr lang="en-CA" b="1" dirty="0">
                 <a:latin typeface="Arial" panose="020B0604020202020204" pitchFamily="34" charset="0"/>
                 <a:cs typeface="Arial" pitchFamily="34" charset="0"/>
               </a:rPr>
               <a:t> </a:t>
             </a:r>
             <a:r>
-              <a:rPr lang="en-CA" sz="1400" dirty="0">
+              <a:rPr lang="en-CA" dirty="0">
                 <a:latin typeface="Arial" panose="020B0604020202020204" pitchFamily="34" charset="0"/>
                 <a:cs typeface="Arial" pitchFamily="34" charset="0"/>
               </a:rPr>
               <a:t>This project was funded under the Summer Institutes in Biostatistics (SIBS) program of the National Heart, Lung, and Blood Institute and the </a:t>
             </a:r>
             <a:r>
-              <a:rPr lang="en-US" sz="1400" dirty="0">
+              <a:rPr lang="en-US" dirty="0">
                 <a:latin typeface="Arial" panose="020B0604020202020204" pitchFamily="34" charset="0"/>
                 <a:cs typeface="Arial" pitchFamily="34" charset="0"/>
               </a:rPr>
               <a:t>Institute of Allergy and Infectious Diseases </a:t>
             </a:r>
             <a:r>
-              <a:rPr lang="en-CA" sz="1400" dirty="0">
+              <a:rPr lang="en-CA" dirty="0">
                 <a:latin typeface="Arial" panose="020B0604020202020204" pitchFamily="34" charset="0"/>
                 <a:cs typeface="Arial" pitchFamily="34" charset="0"/>
               </a:rPr>
               <a:t>grant R25 HL161788, with additional support from the Dean of the Keck School of Medicine of USC, USC Norris Comprehensive Cancer Center grant # P30CA014089 </a:t>
             </a:r>
             <a:r>
-              <a:rPr lang="en-US" sz="1400" dirty="0">
+              <a:rPr lang="en-US" dirty="0">
                 <a:latin typeface="Arial" pitchFamily="34" charset="0"/>
                 <a:cs typeface="Arial" pitchFamily="34" charset="0"/>
               </a:rPr>
@@ -6010,7 +6010,7 @@
           </a:p>
           <a:p>
             <a:pPr marL="338459" eaLnBrk="1" hangingPunct="1"/>
-            <a:endParaRPr lang="en-US" sz="565" b="1" dirty="0">
+            <a:endParaRPr lang="en-US" sz="800" b="1" dirty="0">
               <a:latin typeface="Arial" pitchFamily="34" charset="0"/>
             </a:endParaRPr>
           </a:p>
@@ -6153,7 +6153,7 @@
             <a:p>
               <a:pPr algn="ctr"/>
               <a:r>
-                <a:rPr lang="en-US" sz="2259" b="1" dirty="0">
+                <a:rPr lang="en-US" sz="2800" b="1" dirty="0">
                   <a:solidFill>
                     <a:schemeClr val="tx1"/>
                   </a:solidFill>
@@ -6300,7 +6300,7 @@
             <a:p>
               <a:pPr algn="ctr"/>
               <a:r>
-                <a:rPr lang="en-US" sz="2259" b="1" dirty="0">
+                <a:rPr lang="en-US" sz="2800" b="1" dirty="0">
                   <a:solidFill>
                     <a:schemeClr val="tx1"/>
                   </a:solidFill>
@@ -6447,7 +6447,7 @@
             <a:p>
               <a:pPr algn="ctr"/>
               <a:r>
-                <a:rPr lang="en-US" sz="2259" b="1" dirty="0">
+                <a:rPr lang="en-US" sz="2800" b="1" dirty="0">
                   <a:solidFill>
                     <a:schemeClr val="tx1"/>
                   </a:solidFill>
@@ -6594,7 +6594,7 @@
             <a:p>
               <a:pPr algn="ctr"/>
               <a:r>
-                <a:rPr lang="en-US" sz="2259" b="1" dirty="0">
+                <a:rPr lang="en-US" sz="2800" b="1" dirty="0">
                   <a:solidFill>
                     <a:schemeClr val="tx1"/>
                   </a:solidFill>
@@ -6741,7 +6741,7 @@
             <a:p>
               <a:pPr algn="ctr"/>
               <a:r>
-                <a:rPr lang="en-US" sz="2259" b="1" dirty="0">
+                <a:rPr lang="en-US" sz="2800" b="1" dirty="0">
                   <a:solidFill>
                     <a:schemeClr val="tx1"/>
                   </a:solidFill>
@@ -6769,7 +6769,7 @@
         <p:spPr bwMode="auto">
           <a:xfrm>
             <a:off x="5679342" y="852707"/>
-            <a:ext cx="22301947" cy="1989712"/>
+            <a:ext cx="22301947" cy="2015103"/>
           </a:xfrm>
           <a:prstGeom prst="rect">
             <a:avLst/>
@@ -6790,7 +6790,7 @@
           <a:p>
             <a:pPr algn="ctr" eaLnBrk="1" hangingPunct="1"/>
             <a:r>
-              <a:rPr lang="en-US" sz="4235" b="1" dirty="0">
+              <a:rPr lang="en-US" sz="4400" b="1" dirty="0">
                 <a:solidFill>
                   <a:schemeClr val="bg1"/>
                 </a:solidFill>
@@ -6803,7 +6803,7 @@
           <a:p>
             <a:pPr algn="ctr" eaLnBrk="1" hangingPunct="1"/>
             <a:r>
-              <a:rPr lang="en-US" sz="3388" b="1" dirty="0">
+              <a:rPr lang="en-US" sz="3400" b="1" dirty="0">
                 <a:solidFill>
                   <a:schemeClr val="bg1"/>
                 </a:solidFill>
@@ -6811,7 +6811,7 @@
               </a:rPr>
               <a:t>Author List</a:t>
             </a:r>
-            <a:endParaRPr lang="en-US" sz="3388" b="1" baseline="30000" dirty="0">
+            <a:endParaRPr lang="en-US" sz="3400" b="1" baseline="30000" dirty="0">
               <a:solidFill>
                 <a:schemeClr val="bg1"/>
               </a:solidFill>
@@ -6830,7 +6830,7 @@
           <a:p>
             <a:pPr algn="ctr" eaLnBrk="1" hangingPunct="1"/>
             <a:r>
-              <a:rPr lang="en-US" sz="2824" b="1" dirty="0">
+              <a:rPr lang="en-US" sz="2800" b="1" dirty="0">
                 <a:solidFill>
                   <a:schemeClr val="bg1"/>
                 </a:solidFill>
@@ -6838,7 +6838,7 @@
               </a:rPr>
               <a:t>Keck School of Medicine of USC, University of Southern California, Los Angeles, CA</a:t>
             </a:r>
-            <a:endParaRPr lang="en-US" sz="2824" b="1" dirty="0">
+            <a:endParaRPr lang="en-US" sz="2800" b="1" dirty="0">
               <a:solidFill>
                 <a:schemeClr val="bg1"/>
               </a:solidFill>
@@ -6984,7 +6984,7 @@
             <a:p>
               <a:pPr algn="ctr"/>
               <a:r>
-                <a:rPr lang="en-US" sz="2259" b="1" dirty="0">
+                <a:rPr lang="en-US" sz="2800" b="1" dirty="0">
                   <a:solidFill>
                     <a:schemeClr val="tx1"/>
                   </a:solidFill>
